--- a/毕业设计/演示文稿1.pptx
+++ b/毕业设计/演示文稿1.pptx
@@ -6,6 +6,7 @@
   </p:sldMasterIdLst>
   <p:sldIdLst>
     <p:sldId id="256" r:id="rId2"/>
+    <p:sldId id="257" r:id="rId3"/>
   </p:sldIdLst>
   <p:sldSz cx="12192000" cy="6858000"/>
   <p:notesSz cx="6858000" cy="9144000"/>
@@ -104,6 +105,11 @@
       </a:defRPr>
     </a:lvl9pPr>
   </p:defaultTextStyle>
+  <p:extLst>
+    <p:ext uri="{EFAFB233-063F-42B5-8137-9DF3F51BA10A}">
+      <p15:sldGuideLst xmlns:p15="http://schemas.microsoft.com/office/powerpoint/2012/main"/>
+    </p:ext>
+  </p:extLst>
 </p:presentation>
 </file>
 
@@ -254,7 +260,7 @@
           <a:p>
             <a:fld id="{8B98605B-BF11-4033-AE03-697106C00AB2}" type="datetimeFigureOut">
               <a:rPr lang="zh-CN" altLang="en-US" smtClean="0"/>
-              <a:t>2018-5-2</a:t>
+              <a:t>2018-5-24</a:t>
             </a:fld>
             <a:endParaRPr lang="zh-CN" altLang="en-US"/>
           </a:p>
@@ -452,7 +458,7 @@
           <a:p>
             <a:fld id="{8B98605B-BF11-4033-AE03-697106C00AB2}" type="datetimeFigureOut">
               <a:rPr lang="zh-CN" altLang="en-US" smtClean="0"/>
-              <a:t>2018-5-2</a:t>
+              <a:t>2018-5-24</a:t>
             </a:fld>
             <a:endParaRPr lang="zh-CN" altLang="en-US"/>
           </a:p>
@@ -660,7 +666,7 @@
           <a:p>
             <a:fld id="{8B98605B-BF11-4033-AE03-697106C00AB2}" type="datetimeFigureOut">
               <a:rPr lang="zh-CN" altLang="en-US" smtClean="0"/>
-              <a:t>2018-5-2</a:t>
+              <a:t>2018-5-24</a:t>
             </a:fld>
             <a:endParaRPr lang="zh-CN" altLang="en-US"/>
           </a:p>
@@ -858,7 +864,7 @@
           <a:p>
             <a:fld id="{8B98605B-BF11-4033-AE03-697106C00AB2}" type="datetimeFigureOut">
               <a:rPr lang="zh-CN" altLang="en-US" smtClean="0"/>
-              <a:t>2018-5-2</a:t>
+              <a:t>2018-5-24</a:t>
             </a:fld>
             <a:endParaRPr lang="zh-CN" altLang="en-US"/>
           </a:p>
@@ -1133,7 +1139,7 @@
           <a:p>
             <a:fld id="{8B98605B-BF11-4033-AE03-697106C00AB2}" type="datetimeFigureOut">
               <a:rPr lang="zh-CN" altLang="en-US" smtClean="0"/>
-              <a:t>2018-5-2</a:t>
+              <a:t>2018-5-24</a:t>
             </a:fld>
             <a:endParaRPr lang="zh-CN" altLang="en-US"/>
           </a:p>
@@ -1398,7 +1404,7 @@
           <a:p>
             <a:fld id="{8B98605B-BF11-4033-AE03-697106C00AB2}" type="datetimeFigureOut">
               <a:rPr lang="zh-CN" altLang="en-US" smtClean="0"/>
-              <a:t>2018-5-2</a:t>
+              <a:t>2018-5-24</a:t>
             </a:fld>
             <a:endParaRPr lang="zh-CN" altLang="en-US"/>
           </a:p>
@@ -1810,7 +1816,7 @@
           <a:p>
             <a:fld id="{8B98605B-BF11-4033-AE03-697106C00AB2}" type="datetimeFigureOut">
               <a:rPr lang="zh-CN" altLang="en-US" smtClean="0"/>
-              <a:t>2018-5-2</a:t>
+              <a:t>2018-5-24</a:t>
             </a:fld>
             <a:endParaRPr lang="zh-CN" altLang="en-US"/>
           </a:p>
@@ -1951,7 +1957,7 @@
           <a:p>
             <a:fld id="{8B98605B-BF11-4033-AE03-697106C00AB2}" type="datetimeFigureOut">
               <a:rPr lang="zh-CN" altLang="en-US" smtClean="0"/>
-              <a:t>2018-5-2</a:t>
+              <a:t>2018-5-24</a:t>
             </a:fld>
             <a:endParaRPr lang="zh-CN" altLang="en-US"/>
           </a:p>
@@ -2064,7 +2070,7 @@
           <a:p>
             <a:fld id="{8B98605B-BF11-4033-AE03-697106C00AB2}" type="datetimeFigureOut">
               <a:rPr lang="zh-CN" altLang="en-US" smtClean="0"/>
-              <a:t>2018-5-2</a:t>
+              <a:t>2018-5-24</a:t>
             </a:fld>
             <a:endParaRPr lang="zh-CN" altLang="en-US"/>
           </a:p>
@@ -2375,7 +2381,7 @@
           <a:p>
             <a:fld id="{8B98605B-BF11-4033-AE03-697106C00AB2}" type="datetimeFigureOut">
               <a:rPr lang="zh-CN" altLang="en-US" smtClean="0"/>
-              <a:t>2018-5-2</a:t>
+              <a:t>2018-5-24</a:t>
             </a:fld>
             <a:endParaRPr lang="zh-CN" altLang="en-US"/>
           </a:p>
@@ -2663,7 +2669,7 @@
           <a:p>
             <a:fld id="{8B98605B-BF11-4033-AE03-697106C00AB2}" type="datetimeFigureOut">
               <a:rPr lang="zh-CN" altLang="en-US" smtClean="0"/>
-              <a:t>2018-5-2</a:t>
+              <a:t>2018-5-24</a:t>
             </a:fld>
             <a:endParaRPr lang="zh-CN" altLang="en-US"/>
           </a:p>
@@ -2904,7 +2910,7 @@
           <a:p>
             <a:fld id="{8B98605B-BF11-4033-AE03-697106C00AB2}" type="datetimeFigureOut">
               <a:rPr lang="zh-CN" altLang="en-US" smtClean="0"/>
-              <a:t>2018-5-2</a:t>
+              <a:t>2018-5-24</a:t>
             </a:fld>
             <a:endParaRPr lang="zh-CN" altLang="en-US"/>
           </a:p>
@@ -4359,6 +4365,2839 @@
 </p:sld>
 </file>
 
+<file path=ppt/slides/slide2.xml><?xml version="1.0" encoding="utf-8"?>
+<p:sld xmlns:a="http://schemas.openxmlformats.org/drawingml/2006/main" xmlns:r="http://schemas.openxmlformats.org/officeDocument/2006/relationships" xmlns:p="http://schemas.openxmlformats.org/presentationml/2006/main">
+  <p:cSld>
+    <p:spTree>
+      <p:nvGrpSpPr>
+        <p:cNvPr id="1" name=""/>
+        <p:cNvGrpSpPr/>
+        <p:nvPr/>
+      </p:nvGrpSpPr>
+      <p:grpSpPr>
+        <a:xfrm>
+          <a:off x="0" y="0"/>
+          <a:ext cx="0" cy="0"/>
+          <a:chOff x="0" y="0"/>
+          <a:chExt cx="0" cy="0"/>
+        </a:xfrm>
+      </p:grpSpPr>
+      <p:sp>
+        <p:nvSpPr>
+          <p:cNvPr id="41" name="Rectangle 38">
+            <a:extLst>
+              <a:ext uri="{FF2B5EF4-FFF2-40B4-BE49-F238E27FC236}">
+                <a16:creationId xmlns:a16="http://schemas.microsoft.com/office/drawing/2014/main" id="{C9D48028-32A5-4361-8647-F626FA25ABB6}"/>
+              </a:ext>
+            </a:extLst>
+          </p:cNvPr>
+          <p:cNvSpPr>
+            <a:spLocks noChangeArrowheads="1"/>
+          </p:cNvSpPr>
+          <p:nvPr/>
+        </p:nvSpPr>
+        <p:spPr bwMode="auto">
+          <a:xfrm>
+            <a:off x="0" y="0"/>
+            <a:ext cx="12192000" cy="457200"/>
+          </a:xfrm>
+          <a:prstGeom prst="rect">
+            <a:avLst/>
+          </a:prstGeom>
+          <a:noFill/>
+          <a:ln>
+            <a:noFill/>
+          </a:ln>
+          <a:effectLst/>
+          <a:extLst>
+            <a:ext uri="{909E8E84-426E-40DD-AFC4-6F175D3DCCD1}">
+              <a14:hiddenFill xmlns:a14="http://schemas.microsoft.com/office/drawing/2010/main">
+                <a:solidFill>
+                  <a:schemeClr val="accent1"/>
+                </a:solidFill>
+              </a14:hiddenFill>
+            </a:ext>
+            <a:ext uri="{91240B29-F687-4F45-9708-019B960494DF}">
+              <a14:hiddenLine xmlns:a14="http://schemas.microsoft.com/office/drawing/2010/main" w="9525">
+                <a:solidFill>
+                  <a:schemeClr val="tx1"/>
+                </a:solidFill>
+                <a:miter lim="800000"/>
+                <a:headEnd/>
+                <a:tailEnd/>
+              </a14:hiddenLine>
+            </a:ext>
+            <a:ext uri="{AF507438-7753-43E0-B8FC-AC1667EBCBE1}">
+              <a14:hiddenEffects xmlns:a14="http://schemas.microsoft.com/office/drawing/2010/main">
+                <a:effectLst>
+                  <a:outerShdw dist="35921" dir="2700000" algn="ctr" rotWithShape="0">
+                    <a:schemeClr val="bg2"/>
+                  </a:outerShdw>
+                </a:effectLst>
+              </a14:hiddenEffects>
+            </a:ext>
+          </a:extLst>
+        </p:spPr>
+        <p:txBody>
+          <a:bodyPr vert="horz" wrap="none" lIns="91440" tIns="45720" rIns="91440" bIns="45720" numCol="1" anchor="ctr" anchorCtr="0" compatLnSpc="1">
+            <a:prstTxWarp prst="textNoShape">
+              <a:avLst/>
+            </a:prstTxWarp>
+            <a:spAutoFit/>
+          </a:bodyPr>
+          <a:lstStyle/>
+          <a:p>
+            <a:endParaRPr lang="zh-CN" altLang="en-US"/>
+          </a:p>
+        </p:txBody>
+      </p:sp>
+      <p:sp>
+        <p:nvSpPr>
+          <p:cNvPr id="42" name="Rectangle 53">
+            <a:extLst>
+              <a:ext uri="{FF2B5EF4-FFF2-40B4-BE49-F238E27FC236}">
+                <a16:creationId xmlns:a16="http://schemas.microsoft.com/office/drawing/2014/main" id="{65BEADA2-4242-4C3F-95C9-DE817FF9EBFF}"/>
+              </a:ext>
+            </a:extLst>
+          </p:cNvPr>
+          <p:cNvSpPr>
+            <a:spLocks noChangeArrowheads="1"/>
+          </p:cNvSpPr>
+          <p:nvPr/>
+        </p:nvSpPr>
+        <p:spPr bwMode="auto">
+          <a:xfrm>
+            <a:off x="0" y="457200"/>
+            <a:ext cx="12192000" cy="0"/>
+          </a:xfrm>
+          <a:prstGeom prst="rect">
+            <a:avLst/>
+          </a:prstGeom>
+          <a:noFill/>
+          <a:ln>
+            <a:noFill/>
+          </a:ln>
+          <a:effectLst/>
+          <a:extLst>
+            <a:ext uri="{909E8E84-426E-40DD-AFC4-6F175D3DCCD1}">
+              <a14:hiddenFill xmlns:a14="http://schemas.microsoft.com/office/drawing/2010/main">
+                <a:solidFill>
+                  <a:schemeClr val="accent1"/>
+                </a:solidFill>
+              </a14:hiddenFill>
+            </a:ext>
+            <a:ext uri="{91240B29-F687-4F45-9708-019B960494DF}">
+              <a14:hiddenLine xmlns:a14="http://schemas.microsoft.com/office/drawing/2010/main" w="9525">
+                <a:solidFill>
+                  <a:schemeClr val="tx1"/>
+                </a:solidFill>
+                <a:miter lim="800000"/>
+                <a:headEnd/>
+                <a:tailEnd/>
+              </a14:hiddenLine>
+            </a:ext>
+            <a:ext uri="{AF507438-7753-43E0-B8FC-AC1667EBCBE1}">
+              <a14:hiddenEffects xmlns:a14="http://schemas.microsoft.com/office/drawing/2010/main">
+                <a:effectLst>
+                  <a:outerShdw dist="35921" dir="2700000" algn="ctr" rotWithShape="0">
+                    <a:schemeClr val="bg2"/>
+                  </a:outerShdw>
+                </a:effectLst>
+              </a14:hiddenEffects>
+            </a:ext>
+          </a:extLst>
+        </p:spPr>
+        <p:txBody>
+          <a:bodyPr vert="horz" wrap="none" lIns="91440" tIns="45720" rIns="91440" bIns="45720" numCol="1" anchor="ctr" anchorCtr="0" compatLnSpc="1">
+            <a:prstTxWarp prst="textNoShape">
+              <a:avLst/>
+            </a:prstTxWarp>
+            <a:spAutoFit/>
+          </a:bodyPr>
+          <a:lstStyle/>
+          <a:p>
+            <a:endParaRPr lang="zh-CN" altLang="en-US"/>
+          </a:p>
+        </p:txBody>
+      </p:sp>
+      <p:grpSp>
+        <p:nvGrpSpPr>
+          <p:cNvPr id="45" name="组合 44">
+            <a:extLst>
+              <a:ext uri="{FF2B5EF4-FFF2-40B4-BE49-F238E27FC236}">
+                <a16:creationId xmlns:a16="http://schemas.microsoft.com/office/drawing/2014/main" id="{6C0C13B2-4701-47F4-AE27-8F3E6896F1A1}"/>
+              </a:ext>
+            </a:extLst>
+          </p:cNvPr>
+          <p:cNvGrpSpPr/>
+          <p:nvPr/>
+        </p:nvGrpSpPr>
+        <p:grpSpPr>
+          <a:xfrm>
+            <a:off x="3286040" y="1606550"/>
+            <a:ext cx="5895975" cy="2605088"/>
+            <a:chOff x="3286040" y="1606550"/>
+            <a:chExt cx="5895975" cy="2605088"/>
+          </a:xfrm>
+        </p:grpSpPr>
+        <p:grpSp>
+          <p:nvGrpSpPr>
+            <p:cNvPr id="4" name="Group 35">
+              <a:extLst>
+                <a:ext uri="{FF2B5EF4-FFF2-40B4-BE49-F238E27FC236}">
+                  <a16:creationId xmlns:a16="http://schemas.microsoft.com/office/drawing/2014/main" id="{0CFFBEE6-39C9-484A-8E3D-93BBC91CC73F}"/>
+                </a:ext>
+              </a:extLst>
+            </p:cNvPr>
+            <p:cNvGrpSpPr>
+              <a:grpSpLocks/>
+            </p:cNvGrpSpPr>
+            <p:nvPr/>
+          </p:nvGrpSpPr>
+          <p:grpSpPr bwMode="auto">
+            <a:xfrm>
+              <a:off x="7219865" y="2698750"/>
+              <a:ext cx="312738" cy="1512888"/>
+              <a:chOff x="8137" y="6368"/>
+              <a:chExt cx="493" cy="2383"/>
+            </a:xfrm>
+          </p:grpSpPr>
+          <p:sp>
+            <p:nvSpPr>
+              <p:cNvPr id="5" name="AutoShape 37">
+                <a:extLst>
+                  <a:ext uri="{FF2B5EF4-FFF2-40B4-BE49-F238E27FC236}">
+                    <a16:creationId xmlns:a16="http://schemas.microsoft.com/office/drawing/2014/main" id="{CC2D4F0C-6D7D-47D0-8AFA-9EDE4AB0C9DE}"/>
+                  </a:ext>
+                </a:extLst>
+              </p:cNvPr>
+              <p:cNvSpPr>
+                <a:spLocks noChangeArrowheads="1"/>
+              </p:cNvSpPr>
+              <p:nvPr/>
+            </p:nvSpPr>
+            <p:spPr bwMode="auto">
+              <a:xfrm>
+                <a:off x="8137" y="6748"/>
+                <a:ext cx="493" cy="2003"/>
+              </a:xfrm>
+              <a:prstGeom prst="roundRect">
+                <a:avLst>
+                  <a:gd name="adj" fmla="val 16667"/>
+                </a:avLst>
+              </a:prstGeom>
+              <a:noFill/>
+              <a:ln w="25400">
+                <a:solidFill>
+                  <a:srgbClr val="385D8A"/>
+                </a:solidFill>
+                <a:round/>
+                <a:headEnd/>
+                <a:tailEnd/>
+              </a:ln>
+              <a:extLst>
+                <a:ext uri="{909E8E84-426E-40DD-AFC4-6F175D3DCCD1}">
+                  <a14:hiddenFill xmlns:a14="http://schemas.microsoft.com/office/drawing/2010/main">
+                    <a:solidFill>
+                      <a:srgbClr val="FFFFFF"/>
+                    </a:solidFill>
+                  </a14:hiddenFill>
+                </a:ext>
+              </a:extLst>
+            </p:spPr>
+            <p:txBody>
+              <a:bodyPr vert="horz" wrap="square" lIns="91440" tIns="45720" rIns="91440" bIns="45720" numCol="1" anchor="ctr" anchorCtr="0" compatLnSpc="1">
+                <a:prstTxWarp prst="textNoShape">
+                  <a:avLst/>
+                </a:prstTxWarp>
+              </a:bodyPr>
+              <a:lstStyle/>
+              <a:p>
+                <a:pPr marL="0" marR="0" lvl="0" indent="0" algn="l" defTabSz="914400" rtl="0" eaLnBrk="0" fontAlgn="base" latinLnBrk="0" hangingPunct="0">
+                  <a:lnSpc>
+                    <a:spcPct val="100000"/>
+                  </a:lnSpc>
+                  <a:spcBef>
+                    <a:spcPct val="0"/>
+                  </a:spcBef>
+                  <a:spcAft>
+                    <a:spcPct val="0"/>
+                  </a:spcAft>
+                  <a:buClrTx/>
+                  <a:buSzTx/>
+                  <a:buFontTx/>
+                  <a:buNone/>
+                  <a:tabLst/>
+                </a:pPr>
+                <a:r>
+                  <a:rPr lang="zh-CN" altLang="en-US" sz="1000" dirty="0">
+                    <a:solidFill>
+                      <a:srgbClr val="000000"/>
+                    </a:solidFill>
+                    <a:latin typeface="Times New Roman" panose="02020603050405020304" pitchFamily="18" charset="0"/>
+                    <a:ea typeface="宋体" panose="02010600030101010101" pitchFamily="2" charset="-122"/>
+                    <a:cs typeface="Times New Roman" panose="02020603050405020304" pitchFamily="18" charset="0"/>
+                  </a:rPr>
+                  <a:t>好友</a:t>
+                </a:r>
+                <a:r>
+                  <a:rPr kumimoji="0" lang="zh-CN" altLang="zh-CN" sz="1000" b="0" i="0" u="none" strike="noStrike" cap="none" normalizeH="0" baseline="0" dirty="0">
+                    <a:ln>
+                      <a:noFill/>
+                    </a:ln>
+                    <a:solidFill>
+                      <a:srgbClr val="000000"/>
+                    </a:solidFill>
+                    <a:effectLst/>
+                    <a:latin typeface="Times New Roman" panose="02020603050405020304" pitchFamily="18" charset="0"/>
+                    <a:ea typeface="宋体" panose="02010600030101010101" pitchFamily="2" charset="-122"/>
+                    <a:cs typeface="Times New Roman" panose="02020603050405020304" pitchFamily="18" charset="0"/>
+                  </a:rPr>
+                  <a:t>分享</a:t>
+                </a:r>
+                <a:endParaRPr kumimoji="0" lang="zh-CN" altLang="zh-CN" sz="1800" b="0" i="0" u="none" strike="noStrike" cap="none" normalizeH="0" baseline="0" dirty="0">
+                  <a:ln>
+                    <a:noFill/>
+                  </a:ln>
+                  <a:solidFill>
+                    <a:schemeClr val="tx1"/>
+                  </a:solidFill>
+                  <a:effectLst/>
+                  <a:latin typeface="Arial" panose="020B0604020202020204" pitchFamily="34" charset="0"/>
+                </a:endParaRPr>
+              </a:p>
+            </p:txBody>
+          </p:sp>
+          <p:sp>
+            <p:nvSpPr>
+              <p:cNvPr id="6" name="AutoShape 36">
+                <a:extLst>
+                  <a:ext uri="{FF2B5EF4-FFF2-40B4-BE49-F238E27FC236}">
+                    <a16:creationId xmlns:a16="http://schemas.microsoft.com/office/drawing/2014/main" id="{CDA63622-6FDD-47FE-AA4D-1B84311423E9}"/>
+                  </a:ext>
+                </a:extLst>
+              </p:cNvPr>
+              <p:cNvSpPr>
+                <a:spLocks noChangeShapeType="1"/>
+              </p:cNvSpPr>
+              <p:nvPr/>
+            </p:nvSpPr>
+            <p:spPr bwMode="auto">
+              <a:xfrm rot="5400000">
+                <a:off x="8197" y="6566"/>
+                <a:ext cx="396" cy="0"/>
+              </a:xfrm>
+              <a:prstGeom prst="straightConnector1">
+                <a:avLst/>
+              </a:prstGeom>
+              <a:noFill/>
+              <a:ln w="9525">
+                <a:solidFill>
+                  <a:srgbClr val="4A7EBB"/>
+                </a:solidFill>
+                <a:round/>
+                <a:headEnd/>
+                <a:tailEnd type="arrow" w="med" len="med"/>
+              </a:ln>
+              <a:extLst>
+                <a:ext uri="{909E8E84-426E-40DD-AFC4-6F175D3DCCD1}">
+                  <a14:hiddenFill xmlns:a14="http://schemas.microsoft.com/office/drawing/2010/main">
+                    <a:noFill/>
+                  </a14:hiddenFill>
+                </a:ext>
+              </a:extLst>
+            </p:spPr>
+            <p:txBody>
+              <a:bodyPr vert="horz" wrap="square" lIns="91440" tIns="45720" rIns="91440" bIns="45720" numCol="1" anchor="t" anchorCtr="0" compatLnSpc="1">
+                <a:prstTxWarp prst="textNoShape">
+                  <a:avLst/>
+                </a:prstTxWarp>
+              </a:bodyPr>
+              <a:lstStyle/>
+              <a:p>
+                <a:endParaRPr lang="zh-CN" altLang="en-US"/>
+              </a:p>
+            </p:txBody>
+          </p:sp>
+        </p:grpSp>
+        <p:grpSp>
+          <p:nvGrpSpPr>
+            <p:cNvPr id="7" name="Group 25">
+              <a:extLst>
+                <a:ext uri="{FF2B5EF4-FFF2-40B4-BE49-F238E27FC236}">
+                  <a16:creationId xmlns:a16="http://schemas.microsoft.com/office/drawing/2014/main" id="{F15A07BF-4B4C-461B-8901-C17AD27F281A}"/>
+                </a:ext>
+              </a:extLst>
+            </p:cNvPr>
+            <p:cNvGrpSpPr>
+              <a:grpSpLocks/>
+            </p:cNvGrpSpPr>
+            <p:nvPr/>
+          </p:nvGrpSpPr>
+          <p:grpSpPr bwMode="auto">
+            <a:xfrm>
+              <a:off x="4407904" y="2785969"/>
+              <a:ext cx="1223963" cy="1407842"/>
+              <a:chOff x="3600" y="7737"/>
+              <a:chExt cx="1927" cy="2218"/>
+            </a:xfrm>
+          </p:grpSpPr>
+          <p:grpSp>
+            <p:nvGrpSpPr>
+              <p:cNvPr id="8" name="组合 13">
+                <a:extLst>
+                  <a:ext uri="{FF2B5EF4-FFF2-40B4-BE49-F238E27FC236}">
+                    <a16:creationId xmlns:a16="http://schemas.microsoft.com/office/drawing/2014/main" id="{BA8304A3-63D7-43DD-8E7E-3BAD6153FA98}"/>
+                  </a:ext>
+                </a:extLst>
+              </p:cNvPr>
+              <p:cNvGrpSpPr>
+                <a:grpSpLocks/>
+              </p:cNvGrpSpPr>
+              <p:nvPr/>
+            </p:nvGrpSpPr>
+            <p:grpSpPr bwMode="auto">
+              <a:xfrm>
+                <a:off x="3600" y="7942"/>
+                <a:ext cx="1927" cy="2013"/>
+                <a:chOff x="2067" y="4050"/>
+                <a:chExt cx="1928" cy="2013"/>
+              </a:xfrm>
+            </p:grpSpPr>
+            <p:sp>
+              <p:nvSpPr>
+                <p:cNvPr id="14" name="AutoShape 34">
+                  <a:extLst>
+                    <a:ext uri="{FF2B5EF4-FFF2-40B4-BE49-F238E27FC236}">
+                      <a16:creationId xmlns:a16="http://schemas.microsoft.com/office/drawing/2014/main" id="{34AD921E-9300-4782-9DD3-2AA613D28F8B}"/>
+                    </a:ext>
+                  </a:extLst>
+                </p:cNvPr>
+                <p:cNvSpPr>
+                  <a:spLocks noChangeArrowheads="1"/>
+                </p:cNvSpPr>
+                <p:nvPr/>
+              </p:nvSpPr>
+              <p:spPr bwMode="auto">
+                <a:xfrm>
+                  <a:off x="2067" y="4050"/>
+                  <a:ext cx="493" cy="2003"/>
+                </a:xfrm>
+                <a:prstGeom prst="roundRect">
+                  <a:avLst>
+                    <a:gd name="adj" fmla="val 16667"/>
+                  </a:avLst>
+                </a:prstGeom>
+                <a:noFill/>
+                <a:ln w="25400">
+                  <a:solidFill>
+                    <a:srgbClr val="385D8A"/>
+                  </a:solidFill>
+                  <a:round/>
+                  <a:headEnd/>
+                  <a:tailEnd/>
+                </a:ln>
+                <a:extLst>
+                  <a:ext uri="{909E8E84-426E-40DD-AFC4-6F175D3DCCD1}">
+                    <a14:hiddenFill xmlns:a14="http://schemas.microsoft.com/office/drawing/2010/main">
+                      <a:solidFill>
+                        <a:srgbClr val="FFFFFF"/>
+                      </a:solidFill>
+                    </a14:hiddenFill>
+                  </a:ext>
+                </a:extLst>
+              </p:spPr>
+              <p:txBody>
+                <a:bodyPr vert="horz" wrap="square" lIns="91440" tIns="45720" rIns="91440" bIns="45720" numCol="1" anchor="ctr" anchorCtr="0" compatLnSpc="1">
+                  <a:prstTxWarp prst="textNoShape">
+                    <a:avLst/>
+                  </a:prstTxWarp>
+                </a:bodyPr>
+                <a:lstStyle/>
+                <a:p>
+                  <a:pPr marL="0" marR="0" lvl="0" indent="0" algn="ctr" defTabSz="914400" rtl="0" eaLnBrk="0" fontAlgn="base" latinLnBrk="0" hangingPunct="0">
+                    <a:lnSpc>
+                      <a:spcPct val="100000"/>
+                    </a:lnSpc>
+                    <a:spcBef>
+                      <a:spcPct val="0"/>
+                    </a:spcBef>
+                    <a:spcAft>
+                      <a:spcPct val="0"/>
+                    </a:spcAft>
+                    <a:buClrTx/>
+                    <a:buSzTx/>
+                    <a:buFontTx/>
+                    <a:buNone/>
+                    <a:tabLst/>
+                  </a:pPr>
+                  <a:r>
+                    <a:rPr kumimoji="0" lang="zh-CN" altLang="zh-CN" sz="1000" b="0" i="0" u="none" strike="noStrike" cap="none" normalizeH="0" baseline="0">
+                      <a:ln>
+                        <a:noFill/>
+                      </a:ln>
+                      <a:solidFill>
+                        <a:srgbClr val="000000"/>
+                      </a:solidFill>
+                      <a:effectLst/>
+                      <a:latin typeface="Times New Roman" panose="02020603050405020304" pitchFamily="18" charset="0"/>
+                      <a:ea typeface="宋体" panose="02010600030101010101" pitchFamily="2" charset="-122"/>
+                      <a:cs typeface="Times New Roman" panose="02020603050405020304" pitchFamily="18" charset="0"/>
+                    </a:rPr>
+                    <a:t>便笺新增</a:t>
+                  </a:r>
+                  <a:endParaRPr kumimoji="0" lang="zh-CN" altLang="zh-CN" sz="1800" b="0" i="0" u="none" strike="noStrike" cap="none" normalizeH="0" baseline="0">
+                    <a:ln>
+                      <a:noFill/>
+                    </a:ln>
+                    <a:solidFill>
+                      <a:schemeClr val="tx1"/>
+                    </a:solidFill>
+                    <a:effectLst/>
+                    <a:latin typeface="Arial" panose="020B0604020202020204" pitchFamily="34" charset="0"/>
+                  </a:endParaRPr>
+                </a:p>
+              </p:txBody>
+            </p:sp>
+            <p:sp>
+              <p:nvSpPr>
+                <p:cNvPr id="15" name="圆角矩形 11">
+                  <a:extLst>
+                    <a:ext uri="{FF2B5EF4-FFF2-40B4-BE49-F238E27FC236}">
+                      <a16:creationId xmlns:a16="http://schemas.microsoft.com/office/drawing/2014/main" id="{B640CCC6-4D45-46CD-8100-18E0081E4265}"/>
+                    </a:ext>
+                  </a:extLst>
+                </p:cNvPr>
+                <p:cNvSpPr>
+                  <a:spLocks noChangeArrowheads="1"/>
+                </p:cNvSpPr>
+                <p:nvPr/>
+              </p:nvSpPr>
+              <p:spPr bwMode="auto">
+                <a:xfrm>
+                  <a:off x="2787" y="4060"/>
+                  <a:ext cx="493" cy="2003"/>
+                </a:xfrm>
+                <a:prstGeom prst="roundRect">
+                  <a:avLst>
+                    <a:gd name="adj" fmla="val 16667"/>
+                  </a:avLst>
+                </a:prstGeom>
+                <a:noFill/>
+                <a:ln w="25400">
+                  <a:solidFill>
+                    <a:srgbClr val="385D8A"/>
+                  </a:solidFill>
+                  <a:round/>
+                  <a:headEnd/>
+                  <a:tailEnd/>
+                </a:ln>
+                <a:extLst>
+                  <a:ext uri="{909E8E84-426E-40DD-AFC4-6F175D3DCCD1}">
+                    <a14:hiddenFill xmlns:a14="http://schemas.microsoft.com/office/drawing/2010/main">
+                      <a:solidFill>
+                        <a:srgbClr val="FFFFFF"/>
+                      </a:solidFill>
+                    </a14:hiddenFill>
+                  </a:ext>
+                </a:extLst>
+              </p:spPr>
+              <p:txBody>
+                <a:bodyPr vert="horz" wrap="square" lIns="91440" tIns="45720" rIns="91440" bIns="45720" numCol="1" anchor="ctr" anchorCtr="0" compatLnSpc="1">
+                  <a:prstTxWarp prst="textNoShape">
+                    <a:avLst/>
+                  </a:prstTxWarp>
+                </a:bodyPr>
+                <a:lstStyle/>
+                <a:p>
+                  <a:pPr marL="0" marR="0" lvl="0" indent="0" algn="ctr" defTabSz="914400" rtl="0" eaLnBrk="0" fontAlgn="base" latinLnBrk="0" hangingPunct="0">
+                    <a:lnSpc>
+                      <a:spcPct val="100000"/>
+                    </a:lnSpc>
+                    <a:spcBef>
+                      <a:spcPct val="0"/>
+                    </a:spcBef>
+                    <a:spcAft>
+                      <a:spcPct val="0"/>
+                    </a:spcAft>
+                    <a:buClrTx/>
+                    <a:buSzTx/>
+                    <a:buFontTx/>
+                    <a:buNone/>
+                    <a:tabLst/>
+                  </a:pPr>
+                  <a:r>
+                    <a:rPr kumimoji="0" lang="zh-CN" altLang="zh-CN" sz="1000" b="0" i="0" u="none" strike="noStrike" cap="none" normalizeH="0" baseline="0">
+                      <a:ln>
+                        <a:noFill/>
+                      </a:ln>
+                      <a:solidFill>
+                        <a:srgbClr val="000000"/>
+                      </a:solidFill>
+                      <a:effectLst/>
+                      <a:latin typeface="Times New Roman" panose="02020603050405020304" pitchFamily="18" charset="0"/>
+                      <a:ea typeface="宋体" panose="02010600030101010101" pitchFamily="2" charset="-122"/>
+                      <a:cs typeface="Times New Roman" panose="02020603050405020304" pitchFamily="18" charset="0"/>
+                    </a:rPr>
+                    <a:t>便笺修改</a:t>
+                  </a:r>
+                  <a:endParaRPr kumimoji="0" lang="zh-CN" altLang="zh-CN" sz="1800" b="0" i="0" u="none" strike="noStrike" cap="none" normalizeH="0" baseline="0">
+                    <a:ln>
+                      <a:noFill/>
+                    </a:ln>
+                    <a:solidFill>
+                      <a:schemeClr val="tx1"/>
+                    </a:solidFill>
+                    <a:effectLst/>
+                    <a:latin typeface="Arial" panose="020B0604020202020204" pitchFamily="34" charset="0"/>
+                  </a:endParaRPr>
+                </a:p>
+              </p:txBody>
+            </p:sp>
+            <p:sp>
+              <p:nvSpPr>
+                <p:cNvPr id="16" name="圆角矩形 11">
+                  <a:extLst>
+                    <a:ext uri="{FF2B5EF4-FFF2-40B4-BE49-F238E27FC236}">
+                      <a16:creationId xmlns:a16="http://schemas.microsoft.com/office/drawing/2014/main" id="{FEEC6112-45C9-4E62-9CDC-D6A6D302E2C6}"/>
+                    </a:ext>
+                  </a:extLst>
+                </p:cNvPr>
+                <p:cNvSpPr>
+                  <a:spLocks noChangeArrowheads="1"/>
+                </p:cNvSpPr>
+                <p:nvPr/>
+              </p:nvSpPr>
+              <p:spPr bwMode="auto">
+                <a:xfrm>
+                  <a:off x="3502" y="4059"/>
+                  <a:ext cx="493" cy="2003"/>
+                </a:xfrm>
+                <a:prstGeom prst="roundRect">
+                  <a:avLst>
+                    <a:gd name="adj" fmla="val 16667"/>
+                  </a:avLst>
+                </a:prstGeom>
+                <a:noFill/>
+                <a:ln w="25400">
+                  <a:solidFill>
+                    <a:srgbClr val="385D8A"/>
+                  </a:solidFill>
+                  <a:round/>
+                  <a:headEnd/>
+                  <a:tailEnd/>
+                </a:ln>
+                <a:extLst>
+                  <a:ext uri="{909E8E84-426E-40DD-AFC4-6F175D3DCCD1}">
+                    <a14:hiddenFill xmlns:a14="http://schemas.microsoft.com/office/drawing/2010/main">
+                      <a:solidFill>
+                        <a:srgbClr val="FFFFFF"/>
+                      </a:solidFill>
+                    </a14:hiddenFill>
+                  </a:ext>
+                </a:extLst>
+              </p:spPr>
+              <p:txBody>
+                <a:bodyPr vert="horz" wrap="square" lIns="91440" tIns="45720" rIns="91440" bIns="45720" numCol="1" anchor="ctr" anchorCtr="0" compatLnSpc="1">
+                  <a:prstTxWarp prst="textNoShape">
+                    <a:avLst/>
+                  </a:prstTxWarp>
+                </a:bodyPr>
+                <a:lstStyle/>
+                <a:p>
+                  <a:pPr marL="0" marR="0" lvl="0" indent="0" algn="ctr" defTabSz="914400" rtl="0" eaLnBrk="0" fontAlgn="base" latinLnBrk="0" hangingPunct="0">
+                    <a:lnSpc>
+                      <a:spcPct val="100000"/>
+                    </a:lnSpc>
+                    <a:spcBef>
+                      <a:spcPct val="0"/>
+                    </a:spcBef>
+                    <a:spcAft>
+                      <a:spcPct val="0"/>
+                    </a:spcAft>
+                    <a:buClrTx/>
+                    <a:buSzTx/>
+                    <a:buFontTx/>
+                    <a:buNone/>
+                    <a:tabLst/>
+                  </a:pPr>
+                  <a:r>
+                    <a:rPr kumimoji="0" lang="zh-CN" altLang="zh-CN" sz="1000" b="0" i="0" u="none" strike="noStrike" cap="none" normalizeH="0" baseline="0">
+                      <a:ln>
+                        <a:noFill/>
+                      </a:ln>
+                      <a:solidFill>
+                        <a:srgbClr val="000000"/>
+                      </a:solidFill>
+                      <a:effectLst/>
+                      <a:latin typeface="Times New Roman" panose="02020603050405020304" pitchFamily="18" charset="0"/>
+                      <a:ea typeface="宋体" panose="02010600030101010101" pitchFamily="2" charset="-122"/>
+                      <a:cs typeface="Times New Roman" panose="02020603050405020304" pitchFamily="18" charset="0"/>
+                    </a:rPr>
+                    <a:t>便笺删除</a:t>
+                  </a:r>
+                  <a:endParaRPr kumimoji="0" lang="zh-CN" altLang="zh-CN" sz="1800" b="0" i="0" u="none" strike="noStrike" cap="none" normalizeH="0" baseline="0">
+                    <a:ln>
+                      <a:noFill/>
+                    </a:ln>
+                    <a:solidFill>
+                      <a:schemeClr val="tx1"/>
+                    </a:solidFill>
+                    <a:effectLst/>
+                    <a:latin typeface="Arial" panose="020B0604020202020204" pitchFamily="34" charset="0"/>
+                  </a:endParaRPr>
+                </a:p>
+              </p:txBody>
+            </p:sp>
+          </p:grpSp>
+          <p:sp>
+            <p:nvSpPr>
+              <p:cNvPr id="10" name="直接连接符 37">
+                <a:extLst>
+                  <a:ext uri="{FF2B5EF4-FFF2-40B4-BE49-F238E27FC236}">
+                    <a16:creationId xmlns:a16="http://schemas.microsoft.com/office/drawing/2014/main" id="{B7273699-B36B-4D7D-91EC-556525F2F6D6}"/>
+                  </a:ext>
+                </a:extLst>
+              </p:cNvPr>
+              <p:cNvSpPr>
+                <a:spLocks noChangeShapeType="1"/>
+              </p:cNvSpPr>
+              <p:nvPr/>
+            </p:nvSpPr>
+            <p:spPr bwMode="auto">
+              <a:xfrm flipV="1">
+                <a:off x="3855" y="7741"/>
+                <a:ext cx="1435" cy="10"/>
+              </a:xfrm>
+              <a:prstGeom prst="line">
+                <a:avLst/>
+              </a:prstGeom>
+              <a:noFill/>
+              <a:ln w="9525">
+                <a:solidFill>
+                  <a:srgbClr val="4A7EBB"/>
+                </a:solidFill>
+                <a:round/>
+                <a:headEnd/>
+                <a:tailEnd/>
+              </a:ln>
+              <a:extLst>
+                <a:ext uri="{909E8E84-426E-40DD-AFC4-6F175D3DCCD1}">
+                  <a14:hiddenFill xmlns:a14="http://schemas.microsoft.com/office/drawing/2010/main">
+                    <a:noFill/>
+                  </a14:hiddenFill>
+                </a:ext>
+              </a:extLst>
+            </p:spPr>
+            <p:txBody>
+              <a:bodyPr vert="horz" wrap="square" lIns="91440" tIns="45720" rIns="91440" bIns="45720" numCol="1" anchor="t" anchorCtr="0" compatLnSpc="1">
+                <a:prstTxWarp prst="textNoShape">
+                  <a:avLst/>
+                </a:prstTxWarp>
+              </a:bodyPr>
+              <a:lstStyle/>
+              <a:p>
+                <a:endParaRPr lang="zh-CN" altLang="en-US"/>
+              </a:p>
+            </p:txBody>
+          </p:sp>
+          <p:sp>
+            <p:nvSpPr>
+              <p:cNvPr id="11" name="直接箭头连接符 39">
+                <a:extLst>
+                  <a:ext uri="{FF2B5EF4-FFF2-40B4-BE49-F238E27FC236}">
+                    <a16:creationId xmlns:a16="http://schemas.microsoft.com/office/drawing/2014/main" id="{14D784F2-42FA-4CA3-B82C-3B8C3565ECC6}"/>
+                  </a:ext>
+                </a:extLst>
+              </p:cNvPr>
+              <p:cNvSpPr>
+                <a:spLocks noChangeShapeType="1"/>
+              </p:cNvSpPr>
+              <p:nvPr/>
+            </p:nvSpPr>
+            <p:spPr bwMode="auto">
+              <a:xfrm>
+                <a:off x="3854" y="7760"/>
+                <a:ext cx="4" cy="198"/>
+              </a:xfrm>
+              <a:prstGeom prst="straightConnector1">
+                <a:avLst/>
+              </a:prstGeom>
+              <a:noFill/>
+              <a:ln w="9525">
+                <a:solidFill>
+                  <a:srgbClr val="4A7EBB"/>
+                </a:solidFill>
+                <a:round/>
+                <a:headEnd/>
+                <a:tailEnd type="arrow" w="med" len="med"/>
+              </a:ln>
+              <a:extLst>
+                <a:ext uri="{909E8E84-426E-40DD-AFC4-6F175D3DCCD1}">
+                  <a14:hiddenFill xmlns:a14="http://schemas.microsoft.com/office/drawing/2010/main">
+                    <a:noFill/>
+                  </a14:hiddenFill>
+                </a:ext>
+              </a:extLst>
+            </p:spPr>
+            <p:txBody>
+              <a:bodyPr vert="horz" wrap="square" lIns="91440" tIns="45720" rIns="91440" bIns="45720" numCol="1" anchor="t" anchorCtr="0" compatLnSpc="1">
+                <a:prstTxWarp prst="textNoShape">
+                  <a:avLst/>
+                </a:prstTxWarp>
+              </a:bodyPr>
+              <a:lstStyle/>
+              <a:p>
+                <a:endParaRPr lang="zh-CN" altLang="en-US"/>
+              </a:p>
+            </p:txBody>
+          </p:sp>
+          <p:sp>
+            <p:nvSpPr>
+              <p:cNvPr id="12" name="直接箭头连接符 40">
+                <a:extLst>
+                  <a:ext uri="{FF2B5EF4-FFF2-40B4-BE49-F238E27FC236}">
+                    <a16:creationId xmlns:a16="http://schemas.microsoft.com/office/drawing/2014/main" id="{B75F9CD9-E14B-4AB0-B331-0380876DEA34}"/>
+                  </a:ext>
+                </a:extLst>
+              </p:cNvPr>
+              <p:cNvSpPr>
+                <a:spLocks noChangeShapeType="1"/>
+              </p:cNvSpPr>
+              <p:nvPr/>
+            </p:nvSpPr>
+            <p:spPr bwMode="auto">
+              <a:xfrm>
+                <a:off x="4579" y="7738"/>
+                <a:ext cx="4" cy="198"/>
+              </a:xfrm>
+              <a:prstGeom prst="straightConnector1">
+                <a:avLst/>
+              </a:prstGeom>
+              <a:noFill/>
+              <a:ln w="9525">
+                <a:solidFill>
+                  <a:srgbClr val="4A7EBB"/>
+                </a:solidFill>
+                <a:round/>
+                <a:headEnd/>
+                <a:tailEnd type="arrow" w="med" len="med"/>
+              </a:ln>
+              <a:extLst>
+                <a:ext uri="{909E8E84-426E-40DD-AFC4-6F175D3DCCD1}">
+                  <a14:hiddenFill xmlns:a14="http://schemas.microsoft.com/office/drawing/2010/main">
+                    <a:noFill/>
+                  </a14:hiddenFill>
+                </a:ext>
+              </a:extLst>
+            </p:spPr>
+            <p:txBody>
+              <a:bodyPr vert="horz" wrap="square" lIns="91440" tIns="45720" rIns="91440" bIns="45720" numCol="1" anchor="t" anchorCtr="0" compatLnSpc="1">
+                <a:prstTxWarp prst="textNoShape">
+                  <a:avLst/>
+                </a:prstTxWarp>
+              </a:bodyPr>
+              <a:lstStyle/>
+              <a:p>
+                <a:endParaRPr lang="zh-CN" altLang="en-US"/>
+              </a:p>
+            </p:txBody>
+          </p:sp>
+          <p:sp>
+            <p:nvSpPr>
+              <p:cNvPr id="13" name="直接箭头连接符 41">
+                <a:extLst>
+                  <a:ext uri="{FF2B5EF4-FFF2-40B4-BE49-F238E27FC236}">
+                    <a16:creationId xmlns:a16="http://schemas.microsoft.com/office/drawing/2014/main" id="{30586352-8D59-4972-B718-E27AAB1E8A5D}"/>
+                  </a:ext>
+                </a:extLst>
+              </p:cNvPr>
+              <p:cNvSpPr>
+                <a:spLocks noChangeShapeType="1"/>
+              </p:cNvSpPr>
+              <p:nvPr/>
+            </p:nvSpPr>
+            <p:spPr bwMode="auto">
+              <a:xfrm>
+                <a:off x="5284" y="7737"/>
+                <a:ext cx="4" cy="198"/>
+              </a:xfrm>
+              <a:prstGeom prst="straightConnector1">
+                <a:avLst/>
+              </a:prstGeom>
+              <a:noFill/>
+              <a:ln w="9525">
+                <a:solidFill>
+                  <a:srgbClr val="4A7EBB"/>
+                </a:solidFill>
+                <a:round/>
+                <a:headEnd/>
+                <a:tailEnd type="arrow" w="med" len="med"/>
+              </a:ln>
+              <a:extLst>
+                <a:ext uri="{909E8E84-426E-40DD-AFC4-6F175D3DCCD1}">
+                  <a14:hiddenFill xmlns:a14="http://schemas.microsoft.com/office/drawing/2010/main">
+                    <a:noFill/>
+                  </a14:hiddenFill>
+                </a:ext>
+              </a:extLst>
+            </p:spPr>
+            <p:txBody>
+              <a:bodyPr vert="horz" wrap="square" lIns="91440" tIns="45720" rIns="91440" bIns="45720" numCol="1" anchor="t" anchorCtr="0" compatLnSpc="1">
+                <a:prstTxWarp prst="textNoShape">
+                  <a:avLst/>
+                </a:prstTxWarp>
+              </a:bodyPr>
+              <a:lstStyle/>
+              <a:p>
+                <a:endParaRPr lang="zh-CN" altLang="en-US"/>
+              </a:p>
+            </p:txBody>
+          </p:sp>
+        </p:grpSp>
+        <p:sp>
+          <p:nvSpPr>
+            <p:cNvPr id="17" name="直接连接符 45">
+              <a:extLst>
+                <a:ext uri="{FF2B5EF4-FFF2-40B4-BE49-F238E27FC236}">
+                  <a16:creationId xmlns:a16="http://schemas.microsoft.com/office/drawing/2014/main" id="{70E1D335-EDDA-4531-B641-C117705EC2C5}"/>
+                </a:ext>
+              </a:extLst>
+            </p:cNvPr>
+            <p:cNvSpPr>
+              <a:spLocks noChangeShapeType="1"/>
+            </p:cNvSpPr>
+            <p:nvPr/>
+          </p:nvSpPr>
+          <p:spPr bwMode="auto">
+            <a:xfrm>
+              <a:off x="6224503" y="1979613"/>
+              <a:ext cx="4762" cy="369887"/>
+            </a:xfrm>
+            <a:prstGeom prst="line">
+              <a:avLst/>
+            </a:prstGeom>
+            <a:noFill/>
+            <a:ln w="9525">
+              <a:solidFill>
+                <a:srgbClr val="4A7EBB"/>
+              </a:solidFill>
+              <a:round/>
+              <a:headEnd/>
+              <a:tailEnd/>
+            </a:ln>
+            <a:extLst>
+              <a:ext uri="{909E8E84-426E-40DD-AFC4-6F175D3DCCD1}">
+                <a14:hiddenFill xmlns:a14="http://schemas.microsoft.com/office/drawing/2010/main">
+                  <a:noFill/>
+                </a14:hiddenFill>
+              </a:ext>
+            </a:extLst>
+          </p:spPr>
+          <p:txBody>
+            <a:bodyPr vert="horz" wrap="square" lIns="91440" tIns="45720" rIns="91440" bIns="45720" numCol="1" anchor="t" anchorCtr="0" compatLnSpc="1">
+              <a:prstTxWarp prst="textNoShape">
+                <a:avLst/>
+              </a:prstTxWarp>
+            </a:bodyPr>
+            <a:lstStyle/>
+            <a:p>
+              <a:endParaRPr lang="zh-CN" altLang="en-US"/>
+            </a:p>
+          </p:txBody>
+        </p:sp>
+        <p:sp>
+          <p:nvSpPr>
+            <p:cNvPr id="18" name="圆角矩形 58">
+              <a:extLst>
+                <a:ext uri="{FF2B5EF4-FFF2-40B4-BE49-F238E27FC236}">
+                  <a16:creationId xmlns:a16="http://schemas.microsoft.com/office/drawing/2014/main" id="{B39983A5-4837-45FA-8B46-6FFB3C35D19E}"/>
+                </a:ext>
+              </a:extLst>
+            </p:cNvPr>
+            <p:cNvSpPr>
+              <a:spLocks noChangeArrowheads="1"/>
+            </p:cNvSpPr>
+            <p:nvPr/>
+          </p:nvSpPr>
+          <p:spPr bwMode="auto">
+            <a:xfrm>
+              <a:off x="5505365" y="1606550"/>
+              <a:ext cx="1516063" cy="374650"/>
+            </a:xfrm>
+            <a:prstGeom prst="roundRect">
+              <a:avLst>
+                <a:gd name="adj" fmla="val 16667"/>
+              </a:avLst>
+            </a:prstGeom>
+            <a:noFill/>
+            <a:ln w="25400">
+              <a:solidFill>
+                <a:srgbClr val="385D8A"/>
+              </a:solidFill>
+              <a:round/>
+              <a:headEnd/>
+              <a:tailEnd/>
+            </a:ln>
+            <a:extLst>
+              <a:ext uri="{909E8E84-426E-40DD-AFC4-6F175D3DCCD1}">
+                <a14:hiddenFill xmlns:a14="http://schemas.microsoft.com/office/drawing/2010/main">
+                  <a:solidFill>
+                    <a:srgbClr val="FFFFFF"/>
+                  </a:solidFill>
+                </a14:hiddenFill>
+              </a:ext>
+            </a:extLst>
+          </p:spPr>
+          <p:txBody>
+            <a:bodyPr vert="horz" wrap="square" lIns="91440" tIns="45720" rIns="91440" bIns="45720" numCol="1" anchor="ctr" anchorCtr="0" compatLnSpc="1">
+              <a:prstTxWarp prst="textNoShape">
+                <a:avLst/>
+              </a:prstTxWarp>
+            </a:bodyPr>
+            <a:lstStyle/>
+            <a:p>
+              <a:pPr marL="0" marR="0" lvl="0" indent="0" algn="ctr" defTabSz="914400" rtl="0" eaLnBrk="0" fontAlgn="base" latinLnBrk="0" hangingPunct="0">
+                <a:lnSpc>
+                  <a:spcPct val="100000"/>
+                </a:lnSpc>
+                <a:spcBef>
+                  <a:spcPct val="0"/>
+                </a:spcBef>
+                <a:spcAft>
+                  <a:spcPct val="0"/>
+                </a:spcAft>
+                <a:buClrTx/>
+                <a:buSzTx/>
+                <a:buFontTx/>
+                <a:buNone/>
+                <a:tabLst/>
+              </a:pPr>
+              <a:r>
+                <a:rPr kumimoji="0" lang="zh-CN" altLang="zh-CN" sz="1000" b="0" i="0" u="none" strike="noStrike" cap="none" normalizeH="0" baseline="0">
+                  <a:ln>
+                    <a:noFill/>
+                  </a:ln>
+                  <a:solidFill>
+                    <a:srgbClr val="000000"/>
+                  </a:solidFill>
+                  <a:effectLst/>
+                  <a:latin typeface="Times New Roman" panose="02020603050405020304" pitchFamily="18" charset="0"/>
+                  <a:ea typeface="宋体" panose="02010600030101010101" pitchFamily="2" charset="-122"/>
+                  <a:cs typeface="Times New Roman" panose="02020603050405020304" pitchFamily="18" charset="0"/>
+                </a:rPr>
+                <a:t>墨笺小程序</a:t>
+              </a:r>
+              <a:endParaRPr kumimoji="0" lang="zh-CN" altLang="zh-CN" sz="1800" b="0" i="0" u="none" strike="noStrike" cap="none" normalizeH="0" baseline="0">
+                <a:ln>
+                  <a:noFill/>
+                </a:ln>
+                <a:solidFill>
+                  <a:schemeClr val="tx1"/>
+                </a:solidFill>
+                <a:effectLst/>
+                <a:latin typeface="Arial" panose="020B0604020202020204" pitchFamily="34" charset="0"/>
+              </a:endParaRPr>
+            </a:p>
+          </p:txBody>
+        </p:sp>
+        <p:grpSp>
+          <p:nvGrpSpPr>
+            <p:cNvPr id="19" name="组合 53">
+              <a:extLst>
+                <a:ext uri="{FF2B5EF4-FFF2-40B4-BE49-F238E27FC236}">
+                  <a16:creationId xmlns:a16="http://schemas.microsoft.com/office/drawing/2014/main" id="{869E83A8-27AD-4BB7-8B63-9A55924DB850}"/>
+                </a:ext>
+              </a:extLst>
+            </p:cNvPr>
+            <p:cNvGrpSpPr>
+              <a:grpSpLocks/>
+            </p:cNvGrpSpPr>
+            <p:nvPr/>
+          </p:nvGrpSpPr>
+          <p:grpSpPr bwMode="auto">
+            <a:xfrm>
+              <a:off x="3286040" y="2360613"/>
+              <a:ext cx="5895975" cy="322262"/>
+              <a:chOff x="2255" y="2845"/>
+              <a:chExt cx="9291" cy="507"/>
+            </a:xfrm>
+          </p:grpSpPr>
+          <p:sp>
+            <p:nvSpPr>
+              <p:cNvPr id="20" name="圆角矩形 4">
+                <a:extLst>
+                  <a:ext uri="{FF2B5EF4-FFF2-40B4-BE49-F238E27FC236}">
+                    <a16:creationId xmlns:a16="http://schemas.microsoft.com/office/drawing/2014/main" id="{2E877B4F-B4B6-439A-B1AC-18D05FF5283F}"/>
+                  </a:ext>
+                </a:extLst>
+              </p:cNvPr>
+              <p:cNvSpPr>
+                <a:spLocks noChangeArrowheads="1"/>
+              </p:cNvSpPr>
+              <p:nvPr/>
+            </p:nvSpPr>
+            <p:spPr bwMode="auto">
+              <a:xfrm>
+                <a:off x="2255" y="2845"/>
+                <a:ext cx="1596" cy="482"/>
+              </a:xfrm>
+              <a:prstGeom prst="roundRect">
+                <a:avLst>
+                  <a:gd name="adj" fmla="val 16667"/>
+                </a:avLst>
+              </a:prstGeom>
+              <a:noFill/>
+              <a:ln w="25400">
+                <a:solidFill>
+                  <a:srgbClr val="385D8A"/>
+                </a:solidFill>
+                <a:round/>
+                <a:headEnd/>
+                <a:tailEnd/>
+              </a:ln>
+              <a:extLst>
+                <a:ext uri="{909E8E84-426E-40DD-AFC4-6F175D3DCCD1}">
+                  <a14:hiddenFill xmlns:a14="http://schemas.microsoft.com/office/drawing/2010/main">
+                    <a:solidFill>
+                      <a:srgbClr val="FFFFFF"/>
+                    </a:solidFill>
+                  </a14:hiddenFill>
+                </a:ext>
+              </a:extLst>
+            </p:spPr>
+            <p:txBody>
+              <a:bodyPr vert="horz" wrap="square" lIns="91440" tIns="45720" rIns="91440" bIns="45720" numCol="1" anchor="ctr" anchorCtr="0" compatLnSpc="1">
+                <a:prstTxWarp prst="textNoShape">
+                  <a:avLst/>
+                </a:prstTxWarp>
+              </a:bodyPr>
+              <a:lstStyle/>
+              <a:p>
+                <a:pPr marL="0" marR="0" lvl="0" indent="0" algn="ctr" defTabSz="914400" rtl="0" eaLnBrk="0" fontAlgn="base" latinLnBrk="0" hangingPunct="0">
+                  <a:lnSpc>
+                    <a:spcPct val="100000"/>
+                  </a:lnSpc>
+                  <a:spcBef>
+                    <a:spcPct val="0"/>
+                  </a:spcBef>
+                  <a:spcAft>
+                    <a:spcPct val="0"/>
+                  </a:spcAft>
+                  <a:buClrTx/>
+                  <a:buSzTx/>
+                  <a:buFontTx/>
+                  <a:buNone/>
+                  <a:tabLst/>
+                </a:pPr>
+                <a:r>
+                  <a:rPr kumimoji="0" lang="zh-CN" altLang="zh-CN" sz="1000" b="0" i="0" u="none" strike="noStrike" cap="none" normalizeH="0" baseline="0">
+                    <a:ln>
+                      <a:noFill/>
+                    </a:ln>
+                    <a:solidFill>
+                      <a:srgbClr val="000000"/>
+                    </a:solidFill>
+                    <a:effectLst/>
+                    <a:latin typeface="Times New Roman" panose="02020603050405020304" pitchFamily="18" charset="0"/>
+                    <a:ea typeface="宋体" panose="02010600030101010101" pitchFamily="2" charset="-122"/>
+                    <a:cs typeface="Times New Roman" panose="02020603050405020304" pitchFamily="18" charset="0"/>
+                  </a:rPr>
+                  <a:t>用户管理</a:t>
+                </a:r>
+                <a:endParaRPr kumimoji="0" lang="zh-CN" altLang="zh-CN" sz="1800" b="0" i="0" u="none" strike="noStrike" cap="none" normalizeH="0" baseline="0">
+                  <a:ln>
+                    <a:noFill/>
+                  </a:ln>
+                  <a:solidFill>
+                    <a:schemeClr val="tx1"/>
+                  </a:solidFill>
+                  <a:effectLst/>
+                  <a:latin typeface="Arial" panose="020B0604020202020204" pitchFamily="34" charset="0"/>
+                </a:endParaRPr>
+              </a:p>
+            </p:txBody>
+          </p:sp>
+          <p:sp>
+            <p:nvSpPr>
+              <p:cNvPr id="21" name="圆角矩形 5">
+                <a:extLst>
+                  <a:ext uri="{FF2B5EF4-FFF2-40B4-BE49-F238E27FC236}">
+                    <a16:creationId xmlns:a16="http://schemas.microsoft.com/office/drawing/2014/main" id="{1AF03280-D414-405B-9A51-A58506FDF94C}"/>
+                  </a:ext>
+                </a:extLst>
+              </p:cNvPr>
+              <p:cNvSpPr>
+                <a:spLocks noChangeArrowheads="1"/>
+              </p:cNvSpPr>
+              <p:nvPr/>
+            </p:nvSpPr>
+            <p:spPr bwMode="auto">
+              <a:xfrm>
+                <a:off x="4177" y="2849"/>
+                <a:ext cx="1596" cy="482"/>
+              </a:xfrm>
+              <a:prstGeom prst="roundRect">
+                <a:avLst>
+                  <a:gd name="adj" fmla="val 16667"/>
+                </a:avLst>
+              </a:prstGeom>
+              <a:noFill/>
+              <a:ln w="25400">
+                <a:solidFill>
+                  <a:srgbClr val="385D8A"/>
+                </a:solidFill>
+                <a:round/>
+                <a:headEnd/>
+                <a:tailEnd/>
+              </a:ln>
+              <a:extLst>
+                <a:ext uri="{909E8E84-426E-40DD-AFC4-6F175D3DCCD1}">
+                  <a14:hiddenFill xmlns:a14="http://schemas.microsoft.com/office/drawing/2010/main">
+                    <a:solidFill>
+                      <a:srgbClr val="FFFFFF"/>
+                    </a:solidFill>
+                  </a14:hiddenFill>
+                </a:ext>
+              </a:extLst>
+            </p:spPr>
+            <p:txBody>
+              <a:bodyPr vert="horz" wrap="square" lIns="91440" tIns="45720" rIns="91440" bIns="45720" numCol="1" anchor="ctr" anchorCtr="0" compatLnSpc="1">
+                <a:prstTxWarp prst="textNoShape">
+                  <a:avLst/>
+                </a:prstTxWarp>
+              </a:bodyPr>
+              <a:lstStyle/>
+              <a:p>
+                <a:pPr marL="0" marR="0" lvl="0" indent="0" algn="ctr" defTabSz="914400" rtl="0" eaLnBrk="0" fontAlgn="base" latinLnBrk="0" hangingPunct="0">
+                  <a:lnSpc>
+                    <a:spcPct val="100000"/>
+                  </a:lnSpc>
+                  <a:spcBef>
+                    <a:spcPct val="0"/>
+                  </a:spcBef>
+                  <a:spcAft>
+                    <a:spcPct val="0"/>
+                  </a:spcAft>
+                  <a:buClrTx/>
+                  <a:buSzTx/>
+                  <a:buFontTx/>
+                  <a:buNone/>
+                  <a:tabLst/>
+                </a:pPr>
+                <a:r>
+                  <a:rPr kumimoji="0" lang="zh-CN" altLang="zh-CN" sz="1000" b="0" i="0" u="none" strike="noStrike" cap="none" normalizeH="0" baseline="0" dirty="0">
+                    <a:ln>
+                      <a:noFill/>
+                    </a:ln>
+                    <a:solidFill>
+                      <a:srgbClr val="000000"/>
+                    </a:solidFill>
+                    <a:effectLst/>
+                    <a:latin typeface="Times New Roman" panose="02020603050405020304" pitchFamily="18" charset="0"/>
+                    <a:ea typeface="宋体" panose="02010600030101010101" pitchFamily="2" charset="-122"/>
+                    <a:cs typeface="Times New Roman" panose="02020603050405020304" pitchFamily="18" charset="0"/>
+                  </a:rPr>
+                  <a:t>便笺</a:t>
+                </a:r>
+                <a:r>
+                  <a:rPr kumimoji="0" lang="zh-CN" altLang="en-US" sz="1000" b="0" i="0" u="none" strike="noStrike" cap="none" normalizeH="0" baseline="0" dirty="0">
+                    <a:ln>
+                      <a:noFill/>
+                    </a:ln>
+                    <a:solidFill>
+                      <a:srgbClr val="000000"/>
+                    </a:solidFill>
+                    <a:effectLst/>
+                    <a:latin typeface="Times New Roman" panose="02020603050405020304" pitchFamily="18" charset="0"/>
+                    <a:ea typeface="宋体" panose="02010600030101010101" pitchFamily="2" charset="-122"/>
+                    <a:cs typeface="Times New Roman" panose="02020603050405020304" pitchFamily="18" charset="0"/>
+                  </a:rPr>
+                  <a:t>编辑</a:t>
+                </a:r>
+                <a:endParaRPr kumimoji="0" lang="zh-CN" altLang="zh-CN" sz="1800" b="0" i="0" u="none" strike="noStrike" cap="none" normalizeH="0" baseline="0" dirty="0">
+                  <a:ln>
+                    <a:noFill/>
+                  </a:ln>
+                  <a:solidFill>
+                    <a:schemeClr val="tx1"/>
+                  </a:solidFill>
+                  <a:effectLst/>
+                  <a:latin typeface="Arial" panose="020B0604020202020204" pitchFamily="34" charset="0"/>
+                </a:endParaRPr>
+              </a:p>
+            </p:txBody>
+          </p:sp>
+          <p:sp>
+            <p:nvSpPr>
+              <p:cNvPr id="22" name="圆角矩形 6">
+                <a:extLst>
+                  <a:ext uri="{FF2B5EF4-FFF2-40B4-BE49-F238E27FC236}">
+                    <a16:creationId xmlns:a16="http://schemas.microsoft.com/office/drawing/2014/main" id="{87E148D8-2336-41C1-9746-60668D4FB13B}"/>
+                  </a:ext>
+                </a:extLst>
+              </p:cNvPr>
+              <p:cNvSpPr>
+                <a:spLocks noChangeArrowheads="1"/>
+              </p:cNvSpPr>
+              <p:nvPr/>
+            </p:nvSpPr>
+            <p:spPr bwMode="auto">
+              <a:xfrm>
+                <a:off x="6035" y="2853"/>
+                <a:ext cx="1596" cy="482"/>
+              </a:xfrm>
+              <a:prstGeom prst="roundRect">
+                <a:avLst>
+                  <a:gd name="adj" fmla="val 16667"/>
+                </a:avLst>
+              </a:prstGeom>
+              <a:noFill/>
+              <a:ln w="25400">
+                <a:solidFill>
+                  <a:srgbClr val="385D8A"/>
+                </a:solidFill>
+                <a:round/>
+                <a:headEnd/>
+                <a:tailEnd/>
+              </a:ln>
+              <a:extLst>
+                <a:ext uri="{909E8E84-426E-40DD-AFC4-6F175D3DCCD1}">
+                  <a14:hiddenFill xmlns:a14="http://schemas.microsoft.com/office/drawing/2010/main">
+                    <a:solidFill>
+                      <a:srgbClr val="FFFFFF"/>
+                    </a:solidFill>
+                  </a14:hiddenFill>
+                </a:ext>
+              </a:extLst>
+            </p:spPr>
+            <p:txBody>
+              <a:bodyPr vert="horz" wrap="square" lIns="91440" tIns="45720" rIns="91440" bIns="45720" numCol="1" anchor="ctr" anchorCtr="0" compatLnSpc="1">
+                <a:prstTxWarp prst="textNoShape">
+                  <a:avLst/>
+                </a:prstTxWarp>
+              </a:bodyPr>
+              <a:lstStyle/>
+              <a:p>
+                <a:pPr marL="0" marR="0" lvl="0" indent="0" algn="ctr" defTabSz="914400" rtl="0" eaLnBrk="0" fontAlgn="base" latinLnBrk="0" hangingPunct="0">
+                  <a:lnSpc>
+                    <a:spcPct val="100000"/>
+                  </a:lnSpc>
+                  <a:spcBef>
+                    <a:spcPct val="0"/>
+                  </a:spcBef>
+                  <a:spcAft>
+                    <a:spcPct val="0"/>
+                  </a:spcAft>
+                  <a:buClrTx/>
+                  <a:buSzTx/>
+                  <a:buFontTx/>
+                  <a:buNone/>
+                  <a:tabLst/>
+                </a:pPr>
+                <a:r>
+                  <a:rPr kumimoji="0" lang="zh-CN" altLang="en-US" sz="1000" b="0" i="0" u="none" strike="noStrike" cap="none" normalizeH="0" baseline="0" dirty="0">
+                    <a:ln>
+                      <a:noFill/>
+                    </a:ln>
+                    <a:solidFill>
+                      <a:srgbClr val="000000"/>
+                    </a:solidFill>
+                    <a:effectLst/>
+                    <a:latin typeface="Times New Roman" panose="02020603050405020304" pitchFamily="18" charset="0"/>
+                    <a:ea typeface="宋体" panose="02010600030101010101" pitchFamily="2" charset="-122"/>
+                    <a:cs typeface="Times New Roman" panose="02020603050405020304" pitchFamily="18" charset="0"/>
+                  </a:rPr>
+                  <a:t>便笺</a:t>
+                </a:r>
+                <a:r>
+                  <a:rPr kumimoji="0" lang="zh-CN" altLang="zh-CN" sz="1000" b="0" i="0" u="none" strike="noStrike" cap="none" normalizeH="0" baseline="0" dirty="0">
+                    <a:ln>
+                      <a:noFill/>
+                    </a:ln>
+                    <a:solidFill>
+                      <a:srgbClr val="000000"/>
+                    </a:solidFill>
+                    <a:effectLst/>
+                    <a:latin typeface="Times New Roman" panose="02020603050405020304" pitchFamily="18" charset="0"/>
+                    <a:ea typeface="宋体" panose="02010600030101010101" pitchFamily="2" charset="-122"/>
+                    <a:cs typeface="Times New Roman" panose="02020603050405020304" pitchFamily="18" charset="0"/>
+                  </a:rPr>
+                  <a:t>查找</a:t>
+                </a:r>
+                <a:endParaRPr kumimoji="0" lang="zh-CN" altLang="zh-CN" sz="1800" b="0" i="0" u="none" strike="noStrike" cap="none" normalizeH="0" baseline="0" dirty="0">
+                  <a:ln>
+                    <a:noFill/>
+                  </a:ln>
+                  <a:solidFill>
+                    <a:schemeClr val="tx1"/>
+                  </a:solidFill>
+                  <a:effectLst/>
+                  <a:latin typeface="Arial" panose="020B0604020202020204" pitchFamily="34" charset="0"/>
+                </a:endParaRPr>
+              </a:p>
+            </p:txBody>
+          </p:sp>
+          <p:sp>
+            <p:nvSpPr>
+              <p:cNvPr id="23" name="圆角矩形 7">
+                <a:extLst>
+                  <a:ext uri="{FF2B5EF4-FFF2-40B4-BE49-F238E27FC236}">
+                    <a16:creationId xmlns:a16="http://schemas.microsoft.com/office/drawing/2014/main" id="{2FA84CCF-FB5D-4060-A972-4E6D7486768F}"/>
+                  </a:ext>
+                </a:extLst>
+              </p:cNvPr>
+              <p:cNvSpPr>
+                <a:spLocks noChangeArrowheads="1"/>
+              </p:cNvSpPr>
+              <p:nvPr/>
+            </p:nvSpPr>
+            <p:spPr bwMode="auto">
+              <a:xfrm>
+                <a:off x="7964" y="2853"/>
+                <a:ext cx="1596" cy="482"/>
+              </a:xfrm>
+              <a:prstGeom prst="roundRect">
+                <a:avLst>
+                  <a:gd name="adj" fmla="val 16667"/>
+                </a:avLst>
+              </a:prstGeom>
+              <a:noFill/>
+              <a:ln w="25400">
+                <a:solidFill>
+                  <a:srgbClr val="385D8A"/>
+                </a:solidFill>
+                <a:round/>
+                <a:headEnd/>
+                <a:tailEnd/>
+              </a:ln>
+              <a:extLst>
+                <a:ext uri="{909E8E84-426E-40DD-AFC4-6F175D3DCCD1}">
+                  <a14:hiddenFill xmlns:a14="http://schemas.microsoft.com/office/drawing/2010/main">
+                    <a:solidFill>
+                      <a:srgbClr val="FFFFFF"/>
+                    </a:solidFill>
+                  </a14:hiddenFill>
+                </a:ext>
+              </a:extLst>
+            </p:spPr>
+            <p:txBody>
+              <a:bodyPr vert="horz" wrap="square" lIns="91440" tIns="45720" rIns="91440" bIns="45720" numCol="1" anchor="ctr" anchorCtr="0" compatLnSpc="1">
+                <a:prstTxWarp prst="textNoShape">
+                  <a:avLst/>
+                </a:prstTxWarp>
+              </a:bodyPr>
+              <a:lstStyle/>
+              <a:p>
+                <a:pPr marL="0" marR="0" lvl="0" indent="0" algn="ctr" defTabSz="914400" rtl="0" eaLnBrk="0" fontAlgn="base" latinLnBrk="0" hangingPunct="0">
+                  <a:lnSpc>
+                    <a:spcPct val="100000"/>
+                  </a:lnSpc>
+                  <a:spcBef>
+                    <a:spcPct val="0"/>
+                  </a:spcBef>
+                  <a:spcAft>
+                    <a:spcPct val="0"/>
+                  </a:spcAft>
+                  <a:buClrTx/>
+                  <a:buSzTx/>
+                  <a:buFontTx/>
+                  <a:buNone/>
+                  <a:tabLst/>
+                </a:pPr>
+                <a:r>
+                  <a:rPr kumimoji="0" lang="zh-CN" altLang="zh-CN" sz="1000" b="0" i="0" u="none" strike="noStrike" cap="none" normalizeH="0" baseline="0">
+                    <a:ln>
+                      <a:noFill/>
+                    </a:ln>
+                    <a:solidFill>
+                      <a:srgbClr val="000000"/>
+                    </a:solidFill>
+                    <a:effectLst/>
+                    <a:latin typeface="Times New Roman" panose="02020603050405020304" pitchFamily="18" charset="0"/>
+                    <a:ea typeface="宋体" panose="02010600030101010101" pitchFamily="2" charset="-122"/>
+                    <a:cs typeface="Times New Roman" panose="02020603050405020304" pitchFamily="18" charset="0"/>
+                  </a:rPr>
+                  <a:t>便笺分享</a:t>
+                </a:r>
+                <a:endParaRPr kumimoji="0" lang="zh-CN" altLang="zh-CN" sz="1800" b="0" i="0" u="none" strike="noStrike" cap="none" normalizeH="0" baseline="0">
+                  <a:ln>
+                    <a:noFill/>
+                  </a:ln>
+                  <a:solidFill>
+                    <a:schemeClr val="tx1"/>
+                  </a:solidFill>
+                  <a:effectLst/>
+                  <a:latin typeface="Arial" panose="020B0604020202020204" pitchFamily="34" charset="0"/>
+                </a:endParaRPr>
+              </a:p>
+            </p:txBody>
+          </p:sp>
+          <p:sp>
+            <p:nvSpPr>
+              <p:cNvPr id="24" name="圆角矩形 7">
+                <a:extLst>
+                  <a:ext uri="{FF2B5EF4-FFF2-40B4-BE49-F238E27FC236}">
+                    <a16:creationId xmlns:a16="http://schemas.microsoft.com/office/drawing/2014/main" id="{8544895A-C1F4-43DF-8130-6325E7B4F78D}"/>
+                  </a:ext>
+                </a:extLst>
+              </p:cNvPr>
+              <p:cNvSpPr>
+                <a:spLocks noChangeArrowheads="1"/>
+              </p:cNvSpPr>
+              <p:nvPr/>
+            </p:nvSpPr>
+            <p:spPr bwMode="auto">
+              <a:xfrm>
+                <a:off x="9950" y="2870"/>
+                <a:ext cx="1596" cy="482"/>
+              </a:xfrm>
+              <a:prstGeom prst="roundRect">
+                <a:avLst>
+                  <a:gd name="adj" fmla="val 16667"/>
+                </a:avLst>
+              </a:prstGeom>
+              <a:noFill/>
+              <a:ln w="25400">
+                <a:solidFill>
+                  <a:srgbClr val="385D8A"/>
+                </a:solidFill>
+                <a:round/>
+                <a:headEnd/>
+                <a:tailEnd/>
+              </a:ln>
+              <a:extLst>
+                <a:ext uri="{909E8E84-426E-40DD-AFC4-6F175D3DCCD1}">
+                  <a14:hiddenFill xmlns:a14="http://schemas.microsoft.com/office/drawing/2010/main">
+                    <a:solidFill>
+                      <a:srgbClr val="FFFFFF"/>
+                    </a:solidFill>
+                  </a14:hiddenFill>
+                </a:ext>
+              </a:extLst>
+            </p:spPr>
+            <p:txBody>
+              <a:bodyPr vert="horz" wrap="square" lIns="91440" tIns="45720" rIns="91440" bIns="45720" numCol="1" anchor="ctr" anchorCtr="0" compatLnSpc="1">
+                <a:prstTxWarp prst="textNoShape">
+                  <a:avLst/>
+                </a:prstTxWarp>
+              </a:bodyPr>
+              <a:lstStyle/>
+              <a:p>
+                <a:pPr marL="0" marR="0" lvl="0" indent="0" algn="ctr" defTabSz="914400" rtl="0" eaLnBrk="0" fontAlgn="base" latinLnBrk="0" hangingPunct="0">
+                  <a:lnSpc>
+                    <a:spcPct val="100000"/>
+                  </a:lnSpc>
+                  <a:spcBef>
+                    <a:spcPct val="0"/>
+                  </a:spcBef>
+                  <a:spcAft>
+                    <a:spcPct val="0"/>
+                  </a:spcAft>
+                  <a:buClrTx/>
+                  <a:buSzTx/>
+                  <a:buFontTx/>
+                  <a:buNone/>
+                  <a:tabLst/>
+                </a:pPr>
+                <a:r>
+                  <a:rPr kumimoji="0" lang="zh-CN" altLang="en-US" sz="1000" b="0" i="0" u="none" strike="noStrike" cap="none" normalizeH="0" baseline="0" dirty="0">
+                    <a:ln>
+                      <a:noFill/>
+                    </a:ln>
+                    <a:solidFill>
+                      <a:srgbClr val="000000"/>
+                    </a:solidFill>
+                    <a:effectLst/>
+                    <a:latin typeface="Times New Roman" panose="02020603050405020304" pitchFamily="18" charset="0"/>
+                    <a:ea typeface="宋体" panose="02010600030101010101" pitchFamily="2" charset="-122"/>
+                    <a:cs typeface="Times New Roman" panose="02020603050405020304" pitchFamily="18" charset="0"/>
+                  </a:rPr>
+                  <a:t>安全管理</a:t>
+                </a:r>
+                <a:endParaRPr kumimoji="0" lang="zh-CN" altLang="zh-CN" sz="1800" b="0" i="0" u="none" strike="noStrike" cap="none" normalizeH="0" baseline="0" dirty="0">
+                  <a:ln>
+                    <a:noFill/>
+                  </a:ln>
+                  <a:solidFill>
+                    <a:schemeClr val="tx1"/>
+                  </a:solidFill>
+                  <a:effectLst/>
+                  <a:latin typeface="Arial" panose="020B0604020202020204" pitchFamily="34" charset="0"/>
+                </a:endParaRPr>
+              </a:p>
+            </p:txBody>
+          </p:sp>
+        </p:grpSp>
+        <p:sp>
+          <p:nvSpPr>
+            <p:cNvPr id="25" name="圆角矩形 10">
+              <a:extLst>
+                <a:ext uri="{FF2B5EF4-FFF2-40B4-BE49-F238E27FC236}">
+                  <a16:creationId xmlns:a16="http://schemas.microsoft.com/office/drawing/2014/main" id="{B4F8A03C-9D5F-4200-9556-DC226D3AD4CC}"/>
+                </a:ext>
+              </a:extLst>
+            </p:cNvPr>
+            <p:cNvSpPr>
+              <a:spLocks noChangeArrowheads="1"/>
+            </p:cNvSpPr>
+            <p:nvPr/>
+          </p:nvSpPr>
+          <p:spPr bwMode="auto">
+            <a:xfrm>
+              <a:off x="8518440" y="2940050"/>
+              <a:ext cx="312738" cy="1271588"/>
+            </a:xfrm>
+            <a:prstGeom prst="roundRect">
+              <a:avLst>
+                <a:gd name="adj" fmla="val 16667"/>
+              </a:avLst>
+            </a:prstGeom>
+            <a:noFill/>
+            <a:ln w="25400">
+              <a:solidFill>
+                <a:srgbClr val="385D8A"/>
+              </a:solidFill>
+              <a:round/>
+              <a:headEnd/>
+              <a:tailEnd/>
+            </a:ln>
+            <a:extLst>
+              <a:ext uri="{909E8E84-426E-40DD-AFC4-6F175D3DCCD1}">
+                <a14:hiddenFill xmlns:a14="http://schemas.microsoft.com/office/drawing/2010/main">
+                  <a:solidFill>
+                    <a:srgbClr val="FFFFFF"/>
+                  </a:solidFill>
+                </a14:hiddenFill>
+              </a:ext>
+            </a:extLst>
+          </p:spPr>
+          <p:txBody>
+            <a:bodyPr vert="horz" wrap="square" lIns="91440" tIns="45720" rIns="91440" bIns="45720" numCol="1" anchor="ctr" anchorCtr="0" compatLnSpc="1">
+              <a:prstTxWarp prst="textNoShape">
+                <a:avLst/>
+              </a:prstTxWarp>
+            </a:bodyPr>
+            <a:lstStyle/>
+            <a:p>
+              <a:pPr marL="0" marR="0" lvl="0" indent="0" algn="l" defTabSz="914400" rtl="0" eaLnBrk="0" fontAlgn="base" latinLnBrk="0" hangingPunct="0">
+                <a:lnSpc>
+                  <a:spcPct val="100000"/>
+                </a:lnSpc>
+                <a:spcBef>
+                  <a:spcPct val="0"/>
+                </a:spcBef>
+                <a:spcAft>
+                  <a:spcPct val="0"/>
+                </a:spcAft>
+                <a:buClrTx/>
+                <a:buSzTx/>
+                <a:buFontTx/>
+                <a:buNone/>
+                <a:tabLst/>
+              </a:pPr>
+              <a:r>
+                <a:rPr kumimoji="0" lang="zh-CN" altLang="zh-CN" sz="1000" b="0" i="0" u="none" strike="noStrike" cap="none" normalizeH="0" baseline="0">
+                  <a:ln>
+                    <a:noFill/>
+                  </a:ln>
+                  <a:solidFill>
+                    <a:srgbClr val="000000"/>
+                  </a:solidFill>
+                  <a:effectLst/>
+                  <a:latin typeface="Times New Roman" panose="02020603050405020304" pitchFamily="18" charset="0"/>
+                  <a:ea typeface="宋体" panose="02010600030101010101" pitchFamily="2" charset="-122"/>
+                  <a:cs typeface="Times New Roman" panose="02020603050405020304" pitchFamily="18" charset="0"/>
+                </a:rPr>
+                <a:t>安全存储</a:t>
+              </a:r>
+              <a:endParaRPr kumimoji="0" lang="zh-CN" altLang="zh-CN" sz="1800" b="0" i="0" u="none" strike="noStrike" cap="none" normalizeH="0" baseline="0">
+                <a:ln>
+                  <a:noFill/>
+                </a:ln>
+                <a:solidFill>
+                  <a:schemeClr val="tx1"/>
+                </a:solidFill>
+                <a:effectLst/>
+                <a:latin typeface="Arial" panose="020B0604020202020204" pitchFamily="34" charset="0"/>
+              </a:endParaRPr>
+            </a:p>
+          </p:txBody>
+        </p:sp>
+        <p:grpSp>
+          <p:nvGrpSpPr>
+            <p:cNvPr id="26" name="Group 9">
+              <a:extLst>
+                <a:ext uri="{FF2B5EF4-FFF2-40B4-BE49-F238E27FC236}">
+                  <a16:creationId xmlns:a16="http://schemas.microsoft.com/office/drawing/2014/main" id="{A045E77E-538F-4DC8-A0E5-2BEDF8A9FEF5}"/>
+                </a:ext>
+              </a:extLst>
+            </p:cNvPr>
+            <p:cNvGrpSpPr>
+              <a:grpSpLocks/>
+            </p:cNvGrpSpPr>
+            <p:nvPr/>
+          </p:nvGrpSpPr>
+          <p:grpSpPr bwMode="auto">
+            <a:xfrm>
+              <a:off x="3430521" y="2804183"/>
+              <a:ext cx="769937" cy="1407453"/>
+              <a:chOff x="2065" y="7739"/>
+              <a:chExt cx="1212" cy="2216"/>
+            </a:xfrm>
+          </p:grpSpPr>
+          <p:sp>
+            <p:nvSpPr>
+              <p:cNvPr id="27" name="直接连接符 34">
+                <a:extLst>
+                  <a:ext uri="{FF2B5EF4-FFF2-40B4-BE49-F238E27FC236}">
+                    <a16:creationId xmlns:a16="http://schemas.microsoft.com/office/drawing/2014/main" id="{9729E557-4F5E-4DDF-9FF9-D636A25D6B7E}"/>
+                  </a:ext>
+                </a:extLst>
+              </p:cNvPr>
+              <p:cNvSpPr>
+                <a:spLocks noChangeShapeType="1"/>
+              </p:cNvSpPr>
+              <p:nvPr/>
+            </p:nvSpPr>
+            <p:spPr bwMode="auto">
+              <a:xfrm>
+                <a:off x="2296" y="7739"/>
+                <a:ext cx="723" cy="0"/>
+              </a:xfrm>
+              <a:prstGeom prst="straightConnector1">
+                <a:avLst/>
+              </a:prstGeom>
+              <a:noFill/>
+              <a:ln w="9525">
+                <a:solidFill>
+                  <a:srgbClr val="4A7EBB"/>
+                </a:solidFill>
+                <a:round/>
+                <a:headEnd/>
+                <a:tailEnd/>
+              </a:ln>
+              <a:extLst>
+                <a:ext uri="{909E8E84-426E-40DD-AFC4-6F175D3DCCD1}">
+                  <a14:hiddenFill xmlns:a14="http://schemas.microsoft.com/office/drawing/2010/main">
+                    <a:noFill/>
+                  </a14:hiddenFill>
+                </a:ext>
+              </a:extLst>
+            </p:spPr>
+            <p:txBody>
+              <a:bodyPr vert="horz" wrap="square" lIns="91440" tIns="45720" rIns="91440" bIns="45720" numCol="1" anchor="t" anchorCtr="0" compatLnSpc="1">
+                <a:prstTxWarp prst="textNoShape">
+                  <a:avLst/>
+                </a:prstTxWarp>
+              </a:bodyPr>
+              <a:lstStyle/>
+              <a:p>
+                <a:endParaRPr lang="zh-CN" altLang="en-US"/>
+              </a:p>
+            </p:txBody>
+          </p:sp>
+          <p:sp>
+            <p:nvSpPr>
+              <p:cNvPr id="29" name="直接箭头连接符 35">
+                <a:extLst>
+                  <a:ext uri="{FF2B5EF4-FFF2-40B4-BE49-F238E27FC236}">
+                    <a16:creationId xmlns:a16="http://schemas.microsoft.com/office/drawing/2014/main" id="{C0D19991-2CB1-42B9-94E4-500C0C162CF0}"/>
+                  </a:ext>
+                </a:extLst>
+              </p:cNvPr>
+              <p:cNvSpPr>
+                <a:spLocks noChangeShapeType="1"/>
+              </p:cNvSpPr>
+              <p:nvPr/>
+            </p:nvSpPr>
+            <p:spPr bwMode="auto">
+              <a:xfrm>
+                <a:off x="2308" y="7739"/>
+                <a:ext cx="4" cy="198"/>
+              </a:xfrm>
+              <a:prstGeom prst="straightConnector1">
+                <a:avLst/>
+              </a:prstGeom>
+              <a:noFill/>
+              <a:ln w="9525">
+                <a:solidFill>
+                  <a:srgbClr val="4A7EBB"/>
+                </a:solidFill>
+                <a:round/>
+                <a:headEnd/>
+                <a:tailEnd type="arrow" w="med" len="med"/>
+              </a:ln>
+              <a:extLst>
+                <a:ext uri="{909E8E84-426E-40DD-AFC4-6F175D3DCCD1}">
+                  <a14:hiddenFill xmlns:a14="http://schemas.microsoft.com/office/drawing/2010/main">
+                    <a:noFill/>
+                  </a14:hiddenFill>
+                </a:ext>
+              </a:extLst>
+            </p:spPr>
+            <p:txBody>
+              <a:bodyPr vert="horz" wrap="square" lIns="91440" tIns="45720" rIns="91440" bIns="45720" numCol="1" anchor="t" anchorCtr="0" compatLnSpc="1">
+                <a:prstTxWarp prst="textNoShape">
+                  <a:avLst/>
+                </a:prstTxWarp>
+              </a:bodyPr>
+              <a:lstStyle/>
+              <a:p>
+                <a:endParaRPr lang="zh-CN" altLang="en-US"/>
+              </a:p>
+            </p:txBody>
+          </p:sp>
+          <p:sp>
+            <p:nvSpPr>
+              <p:cNvPr id="30" name="直接箭头连接符 36">
+                <a:extLst>
+                  <a:ext uri="{FF2B5EF4-FFF2-40B4-BE49-F238E27FC236}">
+                    <a16:creationId xmlns:a16="http://schemas.microsoft.com/office/drawing/2014/main" id="{B1BEE09A-98DB-43F5-ACA4-C1700AA70F72}"/>
+                  </a:ext>
+                </a:extLst>
+              </p:cNvPr>
+              <p:cNvSpPr>
+                <a:spLocks noChangeShapeType="1"/>
+              </p:cNvSpPr>
+              <p:nvPr/>
+            </p:nvSpPr>
+            <p:spPr bwMode="auto">
+              <a:xfrm>
+                <a:off x="3020" y="7745"/>
+                <a:ext cx="4" cy="198"/>
+              </a:xfrm>
+              <a:prstGeom prst="straightConnector1">
+                <a:avLst/>
+              </a:prstGeom>
+              <a:noFill/>
+              <a:ln w="9525">
+                <a:solidFill>
+                  <a:srgbClr val="4A7EBB"/>
+                </a:solidFill>
+                <a:round/>
+                <a:headEnd/>
+                <a:tailEnd type="arrow" w="med" len="med"/>
+              </a:ln>
+              <a:extLst>
+                <a:ext uri="{909E8E84-426E-40DD-AFC4-6F175D3DCCD1}">
+                  <a14:hiddenFill xmlns:a14="http://schemas.microsoft.com/office/drawing/2010/main">
+                    <a:noFill/>
+                  </a14:hiddenFill>
+                </a:ext>
+              </a:extLst>
+            </p:spPr>
+            <p:txBody>
+              <a:bodyPr vert="horz" wrap="square" lIns="91440" tIns="45720" rIns="91440" bIns="45720" numCol="1" anchor="t" anchorCtr="0" compatLnSpc="1">
+                <a:prstTxWarp prst="textNoShape">
+                  <a:avLst/>
+                </a:prstTxWarp>
+              </a:bodyPr>
+              <a:lstStyle/>
+              <a:p>
+                <a:endParaRPr lang="zh-CN" altLang="en-US"/>
+              </a:p>
+            </p:txBody>
+          </p:sp>
+          <p:sp>
+            <p:nvSpPr>
+              <p:cNvPr id="31" name="AutoShape 11">
+                <a:extLst>
+                  <a:ext uri="{FF2B5EF4-FFF2-40B4-BE49-F238E27FC236}">
+                    <a16:creationId xmlns:a16="http://schemas.microsoft.com/office/drawing/2014/main" id="{359F1F00-204F-4167-B666-B9A7EF6239B1}"/>
+                  </a:ext>
+                </a:extLst>
+              </p:cNvPr>
+              <p:cNvSpPr>
+                <a:spLocks noChangeArrowheads="1"/>
+              </p:cNvSpPr>
+              <p:nvPr/>
+            </p:nvSpPr>
+            <p:spPr bwMode="auto">
+              <a:xfrm>
+                <a:off x="2065" y="7942"/>
+                <a:ext cx="493" cy="2003"/>
+              </a:xfrm>
+              <a:prstGeom prst="roundRect">
+                <a:avLst>
+                  <a:gd name="adj" fmla="val 16667"/>
+                </a:avLst>
+              </a:prstGeom>
+              <a:noFill/>
+              <a:ln w="25400">
+                <a:solidFill>
+                  <a:srgbClr val="385D8A"/>
+                </a:solidFill>
+                <a:round/>
+                <a:headEnd/>
+                <a:tailEnd/>
+              </a:ln>
+              <a:extLst>
+                <a:ext uri="{909E8E84-426E-40DD-AFC4-6F175D3DCCD1}">
+                  <a14:hiddenFill xmlns:a14="http://schemas.microsoft.com/office/drawing/2010/main">
+                    <a:solidFill>
+                      <a:srgbClr val="FFFFFF"/>
+                    </a:solidFill>
+                  </a14:hiddenFill>
+                </a:ext>
+              </a:extLst>
+            </p:spPr>
+            <p:txBody>
+              <a:bodyPr vert="horz" wrap="square" lIns="91440" tIns="45720" rIns="91440" bIns="45720" numCol="1" anchor="ctr" anchorCtr="0" compatLnSpc="1">
+                <a:prstTxWarp prst="textNoShape">
+                  <a:avLst/>
+                </a:prstTxWarp>
+              </a:bodyPr>
+              <a:lstStyle/>
+              <a:p>
+                <a:pPr marL="0" marR="0" lvl="0" indent="0" algn="ctr" defTabSz="914400" rtl="0" eaLnBrk="0" fontAlgn="base" latinLnBrk="0" hangingPunct="0">
+                  <a:lnSpc>
+                    <a:spcPct val="100000"/>
+                  </a:lnSpc>
+                  <a:spcBef>
+                    <a:spcPct val="0"/>
+                  </a:spcBef>
+                  <a:spcAft>
+                    <a:spcPct val="0"/>
+                  </a:spcAft>
+                  <a:buClrTx/>
+                  <a:buSzTx/>
+                  <a:buFontTx/>
+                  <a:buNone/>
+                  <a:tabLst/>
+                </a:pPr>
+                <a:r>
+                  <a:rPr kumimoji="0" lang="zh-CN" altLang="zh-CN" sz="1000" b="0" i="0" u="none" strike="noStrike" cap="none" normalizeH="0" baseline="0">
+                    <a:ln>
+                      <a:noFill/>
+                    </a:ln>
+                    <a:solidFill>
+                      <a:srgbClr val="000000"/>
+                    </a:solidFill>
+                    <a:effectLst/>
+                    <a:latin typeface="Times New Roman" panose="02020603050405020304" pitchFamily="18" charset="0"/>
+                    <a:ea typeface="宋体" panose="02010600030101010101" pitchFamily="2" charset="-122"/>
+                    <a:cs typeface="Times New Roman" panose="02020603050405020304" pitchFamily="18" charset="0"/>
+                  </a:rPr>
+                  <a:t>用户注册</a:t>
+                </a:r>
+                <a:endParaRPr kumimoji="0" lang="zh-CN" altLang="zh-CN" sz="1800" b="0" i="0" u="none" strike="noStrike" cap="none" normalizeH="0" baseline="0">
+                  <a:ln>
+                    <a:noFill/>
+                  </a:ln>
+                  <a:solidFill>
+                    <a:schemeClr val="tx1"/>
+                  </a:solidFill>
+                  <a:effectLst/>
+                  <a:latin typeface="Arial" panose="020B0604020202020204" pitchFamily="34" charset="0"/>
+                </a:endParaRPr>
+              </a:p>
+            </p:txBody>
+          </p:sp>
+          <p:sp>
+            <p:nvSpPr>
+              <p:cNvPr id="32" name="圆角矩形 11">
+                <a:extLst>
+                  <a:ext uri="{FF2B5EF4-FFF2-40B4-BE49-F238E27FC236}">
+                    <a16:creationId xmlns:a16="http://schemas.microsoft.com/office/drawing/2014/main" id="{7EB3B4B5-0C1D-403C-89CB-00380BC6F89A}"/>
+                  </a:ext>
+                </a:extLst>
+              </p:cNvPr>
+              <p:cNvSpPr>
+                <a:spLocks noChangeArrowheads="1"/>
+              </p:cNvSpPr>
+              <p:nvPr/>
+            </p:nvSpPr>
+            <p:spPr bwMode="auto">
+              <a:xfrm>
+                <a:off x="2784" y="7952"/>
+                <a:ext cx="493" cy="2003"/>
+              </a:xfrm>
+              <a:prstGeom prst="roundRect">
+                <a:avLst>
+                  <a:gd name="adj" fmla="val 16667"/>
+                </a:avLst>
+              </a:prstGeom>
+              <a:noFill/>
+              <a:ln w="25400">
+                <a:solidFill>
+                  <a:srgbClr val="385D8A"/>
+                </a:solidFill>
+                <a:round/>
+                <a:headEnd/>
+                <a:tailEnd/>
+              </a:ln>
+              <a:extLst>
+                <a:ext uri="{909E8E84-426E-40DD-AFC4-6F175D3DCCD1}">
+                  <a14:hiddenFill xmlns:a14="http://schemas.microsoft.com/office/drawing/2010/main">
+                    <a:solidFill>
+                      <a:srgbClr val="FFFFFF"/>
+                    </a:solidFill>
+                  </a14:hiddenFill>
+                </a:ext>
+              </a:extLst>
+            </p:spPr>
+            <p:txBody>
+              <a:bodyPr vert="horz" wrap="square" lIns="91440" tIns="45720" rIns="91440" bIns="45720" numCol="1" anchor="ctr" anchorCtr="0" compatLnSpc="1">
+                <a:prstTxWarp prst="textNoShape">
+                  <a:avLst/>
+                </a:prstTxWarp>
+              </a:bodyPr>
+              <a:lstStyle/>
+              <a:p>
+                <a:pPr marL="0" marR="0" lvl="0" indent="0" algn="ctr" defTabSz="914400" rtl="0" eaLnBrk="0" fontAlgn="base" latinLnBrk="0" hangingPunct="0">
+                  <a:lnSpc>
+                    <a:spcPct val="100000"/>
+                  </a:lnSpc>
+                  <a:spcBef>
+                    <a:spcPct val="0"/>
+                  </a:spcBef>
+                  <a:spcAft>
+                    <a:spcPct val="0"/>
+                  </a:spcAft>
+                  <a:buClrTx/>
+                  <a:buSzTx/>
+                  <a:buFontTx/>
+                  <a:buNone/>
+                  <a:tabLst/>
+                </a:pPr>
+                <a:r>
+                  <a:rPr kumimoji="0" lang="zh-CN" altLang="zh-CN" sz="1000" b="0" i="0" u="none" strike="noStrike" cap="none" normalizeH="0" baseline="0">
+                    <a:ln>
+                      <a:noFill/>
+                    </a:ln>
+                    <a:solidFill>
+                      <a:srgbClr val="000000"/>
+                    </a:solidFill>
+                    <a:effectLst/>
+                    <a:latin typeface="Times New Roman" panose="02020603050405020304" pitchFamily="18" charset="0"/>
+                    <a:ea typeface="宋体" panose="02010600030101010101" pitchFamily="2" charset="-122"/>
+                    <a:cs typeface="Times New Roman" panose="02020603050405020304" pitchFamily="18" charset="0"/>
+                  </a:rPr>
+                  <a:t>用户登录</a:t>
+                </a:r>
+                <a:endParaRPr kumimoji="0" lang="zh-CN" altLang="zh-CN" sz="1800" b="0" i="0" u="none" strike="noStrike" cap="none" normalizeH="0" baseline="0">
+                  <a:ln>
+                    <a:noFill/>
+                  </a:ln>
+                  <a:solidFill>
+                    <a:schemeClr val="tx1"/>
+                  </a:solidFill>
+                  <a:effectLst/>
+                  <a:latin typeface="Arial" panose="020B0604020202020204" pitchFamily="34" charset="0"/>
+                </a:endParaRPr>
+              </a:p>
+            </p:txBody>
+          </p:sp>
+        </p:grpSp>
+        <p:sp>
+          <p:nvSpPr>
+            <p:cNvPr id="33" name="AutoShape 8">
+              <a:extLst>
+                <a:ext uri="{FF2B5EF4-FFF2-40B4-BE49-F238E27FC236}">
+                  <a16:creationId xmlns:a16="http://schemas.microsoft.com/office/drawing/2014/main" id="{6985FCBD-6DBC-42E8-B0D3-F0E0CCDE38D7}"/>
+                </a:ext>
+              </a:extLst>
+            </p:cNvPr>
+            <p:cNvSpPr>
+              <a:spLocks noChangeShapeType="1"/>
+            </p:cNvSpPr>
+            <p:nvPr/>
+          </p:nvSpPr>
+          <p:spPr bwMode="auto">
+            <a:xfrm>
+              <a:off x="3805153" y="2117725"/>
+              <a:ext cx="4860925" cy="0"/>
+            </a:xfrm>
+            <a:prstGeom prst="straightConnector1">
+              <a:avLst/>
+            </a:prstGeom>
+            <a:noFill/>
+            <a:ln w="9525">
+              <a:solidFill>
+                <a:srgbClr val="4472C4"/>
+              </a:solidFill>
+              <a:round/>
+              <a:headEnd/>
+              <a:tailEnd/>
+            </a:ln>
+            <a:extLst>
+              <a:ext uri="{909E8E84-426E-40DD-AFC4-6F175D3DCCD1}">
+                <a14:hiddenFill xmlns:a14="http://schemas.microsoft.com/office/drawing/2010/main">
+                  <a:noFill/>
+                </a14:hiddenFill>
+              </a:ext>
+            </a:extLst>
+          </p:spPr>
+          <p:txBody>
+            <a:bodyPr vert="horz" wrap="square" lIns="91440" tIns="45720" rIns="91440" bIns="45720" numCol="1" anchor="t" anchorCtr="0" compatLnSpc="1">
+              <a:prstTxWarp prst="textNoShape">
+                <a:avLst/>
+              </a:prstTxWarp>
+            </a:bodyPr>
+            <a:lstStyle/>
+            <a:p>
+              <a:endParaRPr lang="zh-CN" altLang="en-US"/>
+            </a:p>
+          </p:txBody>
+        </p:sp>
+        <p:sp>
+          <p:nvSpPr>
+            <p:cNvPr id="36" name="AutoShape 5">
+              <a:extLst>
+                <a:ext uri="{FF2B5EF4-FFF2-40B4-BE49-F238E27FC236}">
+                  <a16:creationId xmlns:a16="http://schemas.microsoft.com/office/drawing/2014/main" id="{057C096F-EA6A-408F-BC3A-C621BF73C074}"/>
+                </a:ext>
+              </a:extLst>
+            </p:cNvPr>
+            <p:cNvSpPr>
+              <a:spLocks noChangeShapeType="1"/>
+            </p:cNvSpPr>
+            <p:nvPr/>
+          </p:nvSpPr>
+          <p:spPr bwMode="auto">
+            <a:xfrm rot="5400000">
+              <a:off x="8547015" y="2814638"/>
+              <a:ext cx="250825" cy="0"/>
+            </a:xfrm>
+            <a:prstGeom prst="straightConnector1">
+              <a:avLst/>
+            </a:prstGeom>
+            <a:noFill/>
+            <a:ln w="9525">
+              <a:solidFill>
+                <a:srgbClr val="4A7EBB"/>
+              </a:solidFill>
+              <a:round/>
+              <a:headEnd/>
+              <a:tailEnd type="arrow" w="med" len="med"/>
+            </a:ln>
+            <a:extLst>
+              <a:ext uri="{909E8E84-426E-40DD-AFC4-6F175D3DCCD1}">
+                <a14:hiddenFill xmlns:a14="http://schemas.microsoft.com/office/drawing/2010/main">
+                  <a:noFill/>
+                </a14:hiddenFill>
+              </a:ext>
+            </a:extLst>
+          </p:spPr>
+          <p:txBody>
+            <a:bodyPr vert="horz" wrap="square" lIns="91440" tIns="45720" rIns="91440" bIns="45720" numCol="1" anchor="t" anchorCtr="0" compatLnSpc="1">
+              <a:prstTxWarp prst="textNoShape">
+                <a:avLst/>
+              </a:prstTxWarp>
+            </a:bodyPr>
+            <a:lstStyle/>
+            <a:p>
+              <a:endParaRPr lang="zh-CN" altLang="en-US"/>
+            </a:p>
+          </p:txBody>
+        </p:sp>
+        <p:sp>
+          <p:nvSpPr>
+            <p:cNvPr id="37" name="AutoShape 4">
+              <a:extLst>
+                <a:ext uri="{FF2B5EF4-FFF2-40B4-BE49-F238E27FC236}">
+                  <a16:creationId xmlns:a16="http://schemas.microsoft.com/office/drawing/2014/main" id="{246ABAC0-129D-4024-8F4F-F226310811EB}"/>
+                </a:ext>
+              </a:extLst>
+            </p:cNvPr>
+            <p:cNvSpPr>
+              <a:spLocks noChangeShapeType="1"/>
+            </p:cNvSpPr>
+            <p:nvPr/>
+          </p:nvSpPr>
+          <p:spPr bwMode="auto">
+            <a:xfrm flipV="1">
+              <a:off x="3801978" y="2112963"/>
+              <a:ext cx="0" cy="252412"/>
+            </a:xfrm>
+            <a:prstGeom prst="straightConnector1">
+              <a:avLst/>
+            </a:prstGeom>
+            <a:noFill/>
+            <a:ln w="9525">
+              <a:solidFill>
+                <a:srgbClr val="4472C4"/>
+              </a:solidFill>
+              <a:round/>
+              <a:headEnd/>
+              <a:tailEnd/>
+            </a:ln>
+            <a:extLst>
+              <a:ext uri="{909E8E84-426E-40DD-AFC4-6F175D3DCCD1}">
+                <a14:hiddenFill xmlns:a14="http://schemas.microsoft.com/office/drawing/2010/main">
+                  <a:noFill/>
+                </a14:hiddenFill>
+              </a:ext>
+            </a:extLst>
+          </p:spPr>
+          <p:txBody>
+            <a:bodyPr vert="horz" wrap="square" lIns="91440" tIns="45720" rIns="91440" bIns="45720" numCol="1" anchor="t" anchorCtr="0" compatLnSpc="1">
+              <a:prstTxWarp prst="textNoShape">
+                <a:avLst/>
+              </a:prstTxWarp>
+            </a:bodyPr>
+            <a:lstStyle/>
+            <a:p>
+              <a:endParaRPr lang="zh-CN" altLang="en-US"/>
+            </a:p>
+          </p:txBody>
+        </p:sp>
+        <p:sp>
+          <p:nvSpPr>
+            <p:cNvPr id="38" name="AutoShape 3">
+              <a:extLst>
+                <a:ext uri="{FF2B5EF4-FFF2-40B4-BE49-F238E27FC236}">
+                  <a16:creationId xmlns:a16="http://schemas.microsoft.com/office/drawing/2014/main" id="{E7CD6375-699F-4423-87D6-5F850CF59F63}"/>
+                </a:ext>
+              </a:extLst>
+            </p:cNvPr>
+            <p:cNvSpPr>
+              <a:spLocks noChangeShapeType="1"/>
+            </p:cNvSpPr>
+            <p:nvPr/>
+          </p:nvSpPr>
+          <p:spPr bwMode="auto">
+            <a:xfrm flipV="1">
+              <a:off x="5029115" y="2108200"/>
+              <a:ext cx="0" cy="252413"/>
+            </a:xfrm>
+            <a:prstGeom prst="straightConnector1">
+              <a:avLst/>
+            </a:prstGeom>
+            <a:noFill/>
+            <a:ln w="9525">
+              <a:solidFill>
+                <a:srgbClr val="4472C4"/>
+              </a:solidFill>
+              <a:round/>
+              <a:headEnd/>
+              <a:tailEnd/>
+            </a:ln>
+            <a:extLst>
+              <a:ext uri="{909E8E84-426E-40DD-AFC4-6F175D3DCCD1}">
+                <a14:hiddenFill xmlns:a14="http://schemas.microsoft.com/office/drawing/2010/main">
+                  <a:noFill/>
+                </a14:hiddenFill>
+              </a:ext>
+            </a:extLst>
+          </p:spPr>
+          <p:txBody>
+            <a:bodyPr vert="horz" wrap="square" lIns="91440" tIns="45720" rIns="91440" bIns="45720" numCol="1" anchor="t" anchorCtr="0" compatLnSpc="1">
+              <a:prstTxWarp prst="textNoShape">
+                <a:avLst/>
+              </a:prstTxWarp>
+            </a:bodyPr>
+            <a:lstStyle/>
+            <a:p>
+              <a:endParaRPr lang="zh-CN" altLang="en-US"/>
+            </a:p>
+          </p:txBody>
+        </p:sp>
+        <p:sp>
+          <p:nvSpPr>
+            <p:cNvPr id="39" name="AutoShape 2">
+              <a:extLst>
+                <a:ext uri="{FF2B5EF4-FFF2-40B4-BE49-F238E27FC236}">
+                  <a16:creationId xmlns:a16="http://schemas.microsoft.com/office/drawing/2014/main" id="{97653982-9866-400B-AAEE-B2582E2A278A}"/>
+                </a:ext>
+              </a:extLst>
+            </p:cNvPr>
+            <p:cNvSpPr>
+              <a:spLocks noChangeShapeType="1"/>
+            </p:cNvSpPr>
+            <p:nvPr/>
+          </p:nvSpPr>
+          <p:spPr bwMode="auto">
+            <a:xfrm flipV="1">
+              <a:off x="7392903" y="2098675"/>
+              <a:ext cx="0" cy="252413"/>
+            </a:xfrm>
+            <a:prstGeom prst="straightConnector1">
+              <a:avLst/>
+            </a:prstGeom>
+            <a:noFill/>
+            <a:ln w="9525">
+              <a:solidFill>
+                <a:srgbClr val="4472C4"/>
+              </a:solidFill>
+              <a:round/>
+              <a:headEnd/>
+              <a:tailEnd/>
+            </a:ln>
+            <a:extLst>
+              <a:ext uri="{909E8E84-426E-40DD-AFC4-6F175D3DCCD1}">
+                <a14:hiddenFill xmlns:a14="http://schemas.microsoft.com/office/drawing/2010/main">
+                  <a:noFill/>
+                </a14:hiddenFill>
+              </a:ext>
+            </a:extLst>
+          </p:spPr>
+          <p:txBody>
+            <a:bodyPr vert="horz" wrap="square" lIns="91440" tIns="45720" rIns="91440" bIns="45720" numCol="1" anchor="t" anchorCtr="0" compatLnSpc="1">
+              <a:prstTxWarp prst="textNoShape">
+                <a:avLst/>
+              </a:prstTxWarp>
+            </a:bodyPr>
+            <a:lstStyle/>
+            <a:p>
+              <a:endParaRPr lang="zh-CN" altLang="en-US"/>
+            </a:p>
+          </p:txBody>
+        </p:sp>
+        <p:sp>
+          <p:nvSpPr>
+            <p:cNvPr id="40" name="AutoShape 1">
+              <a:extLst>
+                <a:ext uri="{FF2B5EF4-FFF2-40B4-BE49-F238E27FC236}">
+                  <a16:creationId xmlns:a16="http://schemas.microsoft.com/office/drawing/2014/main" id="{A832F1F9-09B6-4B24-B6F8-9C5E853FE7AA}"/>
+                </a:ext>
+              </a:extLst>
+            </p:cNvPr>
+            <p:cNvSpPr>
+              <a:spLocks noChangeShapeType="1"/>
+            </p:cNvSpPr>
+            <p:nvPr/>
+          </p:nvSpPr>
+          <p:spPr bwMode="auto">
+            <a:xfrm flipV="1">
+              <a:off x="8662903" y="2108200"/>
+              <a:ext cx="0" cy="252413"/>
+            </a:xfrm>
+            <a:prstGeom prst="straightConnector1">
+              <a:avLst/>
+            </a:prstGeom>
+            <a:noFill/>
+            <a:ln w="9525">
+              <a:solidFill>
+                <a:srgbClr val="4472C4"/>
+              </a:solidFill>
+              <a:round/>
+              <a:headEnd/>
+              <a:tailEnd/>
+            </a:ln>
+            <a:extLst>
+              <a:ext uri="{909E8E84-426E-40DD-AFC4-6F175D3DCCD1}">
+                <a14:hiddenFill xmlns:a14="http://schemas.microsoft.com/office/drawing/2010/main">
+                  <a:noFill/>
+                </a14:hiddenFill>
+              </a:ext>
+            </a:extLst>
+          </p:spPr>
+          <p:txBody>
+            <a:bodyPr vert="horz" wrap="square" lIns="91440" tIns="45720" rIns="91440" bIns="45720" numCol="1" anchor="t" anchorCtr="0" compatLnSpc="1">
+              <a:prstTxWarp prst="textNoShape">
+                <a:avLst/>
+              </a:prstTxWarp>
+            </a:bodyPr>
+            <a:lstStyle/>
+            <a:p>
+              <a:endParaRPr lang="zh-CN" altLang="en-US"/>
+            </a:p>
+          </p:txBody>
+        </p:sp>
+        <p:sp>
+          <p:nvSpPr>
+            <p:cNvPr id="43" name="AutoShape 3">
+              <a:extLst>
+                <a:ext uri="{FF2B5EF4-FFF2-40B4-BE49-F238E27FC236}">
+                  <a16:creationId xmlns:a16="http://schemas.microsoft.com/office/drawing/2014/main" id="{01800C0B-ED7C-45BD-B093-38E4B35314F1}"/>
+                </a:ext>
+              </a:extLst>
+            </p:cNvPr>
+            <p:cNvSpPr>
+              <a:spLocks noChangeShapeType="1"/>
+            </p:cNvSpPr>
+            <p:nvPr/>
+          </p:nvSpPr>
+          <p:spPr bwMode="auto">
+            <a:xfrm flipV="1">
+              <a:off x="3811418" y="2659234"/>
+              <a:ext cx="0" cy="144000"/>
+            </a:xfrm>
+            <a:prstGeom prst="straightConnector1">
+              <a:avLst/>
+            </a:prstGeom>
+            <a:noFill/>
+            <a:ln w="9525">
+              <a:solidFill>
+                <a:srgbClr val="4472C4"/>
+              </a:solidFill>
+              <a:round/>
+              <a:headEnd/>
+              <a:tailEnd/>
+            </a:ln>
+            <a:extLst>
+              <a:ext uri="{909E8E84-426E-40DD-AFC4-6F175D3DCCD1}">
+                <a14:hiddenFill xmlns:a14="http://schemas.microsoft.com/office/drawing/2010/main">
+                  <a:noFill/>
+                </a14:hiddenFill>
+              </a:ext>
+            </a:extLst>
+          </p:spPr>
+          <p:txBody>
+            <a:bodyPr vert="horz" wrap="square" lIns="91440" tIns="45720" rIns="91440" bIns="45720" numCol="1" anchor="t" anchorCtr="0" compatLnSpc="1">
+              <a:prstTxWarp prst="textNoShape">
+                <a:avLst/>
+              </a:prstTxWarp>
+            </a:bodyPr>
+            <a:lstStyle/>
+            <a:p>
+              <a:endParaRPr lang="zh-CN" altLang="en-US"/>
+            </a:p>
+          </p:txBody>
+        </p:sp>
+        <p:sp>
+          <p:nvSpPr>
+            <p:cNvPr id="44" name="AutoShape 3">
+              <a:extLst>
+                <a:ext uri="{FF2B5EF4-FFF2-40B4-BE49-F238E27FC236}">
+                  <a16:creationId xmlns:a16="http://schemas.microsoft.com/office/drawing/2014/main" id="{D621820F-F7F8-42FD-8455-1D8033D954D4}"/>
+                </a:ext>
+              </a:extLst>
+            </p:cNvPr>
+            <p:cNvSpPr>
+              <a:spLocks noChangeShapeType="1"/>
+            </p:cNvSpPr>
+            <p:nvPr/>
+          </p:nvSpPr>
+          <p:spPr bwMode="auto">
+            <a:xfrm flipV="1">
+              <a:off x="5029115" y="2682875"/>
+              <a:ext cx="0" cy="144000"/>
+            </a:xfrm>
+            <a:prstGeom prst="straightConnector1">
+              <a:avLst/>
+            </a:prstGeom>
+            <a:noFill/>
+            <a:ln w="9525">
+              <a:solidFill>
+                <a:srgbClr val="4472C4"/>
+              </a:solidFill>
+              <a:round/>
+              <a:headEnd/>
+              <a:tailEnd/>
+            </a:ln>
+            <a:extLst>
+              <a:ext uri="{909E8E84-426E-40DD-AFC4-6F175D3DCCD1}">
+                <a14:hiddenFill xmlns:a14="http://schemas.microsoft.com/office/drawing/2010/main">
+                  <a:noFill/>
+                </a14:hiddenFill>
+              </a:ext>
+            </a:extLst>
+          </p:spPr>
+          <p:txBody>
+            <a:bodyPr vert="horz" wrap="square" lIns="91440" tIns="45720" rIns="91440" bIns="45720" numCol="1" anchor="t" anchorCtr="0" compatLnSpc="1">
+              <a:prstTxWarp prst="textNoShape">
+                <a:avLst/>
+              </a:prstTxWarp>
+            </a:bodyPr>
+            <a:lstStyle/>
+            <a:p>
+              <a:endParaRPr lang="zh-CN" altLang="en-US"/>
+            </a:p>
+          </p:txBody>
+        </p:sp>
+      </p:grpSp>
+      <p:sp>
+        <p:nvSpPr>
+          <p:cNvPr id="46" name="直接连接符 34">
+            <a:extLst>
+              <a:ext uri="{FF2B5EF4-FFF2-40B4-BE49-F238E27FC236}">
+                <a16:creationId xmlns:a16="http://schemas.microsoft.com/office/drawing/2014/main" id="{D029CA70-88E6-478B-BAB1-B285E44E9BAD}"/>
+              </a:ext>
+            </a:extLst>
+          </p:cNvPr>
+          <p:cNvSpPr>
+            <a:spLocks noChangeShapeType="1"/>
+          </p:cNvSpPr>
+          <p:nvPr/>
+        </p:nvSpPr>
+        <p:spPr bwMode="auto">
+          <a:xfrm>
+            <a:off x="5963995" y="2807825"/>
+            <a:ext cx="459294" cy="0"/>
+          </a:xfrm>
+          <a:prstGeom prst="straightConnector1">
+            <a:avLst/>
+          </a:prstGeom>
+          <a:noFill/>
+          <a:ln w="9525">
+            <a:solidFill>
+              <a:srgbClr val="4A7EBB"/>
+            </a:solidFill>
+            <a:round/>
+            <a:headEnd/>
+            <a:tailEnd/>
+          </a:ln>
+          <a:extLst>
+            <a:ext uri="{909E8E84-426E-40DD-AFC4-6F175D3DCCD1}">
+              <a14:hiddenFill xmlns:a14="http://schemas.microsoft.com/office/drawing/2010/main">
+                <a:noFill/>
+              </a14:hiddenFill>
+            </a:ext>
+          </a:extLst>
+        </p:spPr>
+        <p:txBody>
+          <a:bodyPr vert="horz" wrap="square" lIns="91440" tIns="45720" rIns="91440" bIns="45720" numCol="1" anchor="t" anchorCtr="0" compatLnSpc="1">
+            <a:prstTxWarp prst="textNoShape">
+              <a:avLst/>
+            </a:prstTxWarp>
+          </a:bodyPr>
+          <a:lstStyle/>
+          <a:p>
+            <a:endParaRPr lang="zh-CN" altLang="en-US"/>
+          </a:p>
+        </p:txBody>
+      </p:sp>
+      <p:sp>
+        <p:nvSpPr>
+          <p:cNvPr id="47" name="直接箭头连接符 35">
+            <a:extLst>
+              <a:ext uri="{FF2B5EF4-FFF2-40B4-BE49-F238E27FC236}">
+                <a16:creationId xmlns:a16="http://schemas.microsoft.com/office/drawing/2014/main" id="{79C9509A-EF4B-48CD-9456-020C9AEA8A2A}"/>
+              </a:ext>
+            </a:extLst>
+          </p:cNvPr>
+          <p:cNvSpPr>
+            <a:spLocks noChangeShapeType="1"/>
+          </p:cNvSpPr>
+          <p:nvPr/>
+        </p:nvSpPr>
+        <p:spPr bwMode="auto">
+          <a:xfrm>
+            <a:off x="5971619" y="2807825"/>
+            <a:ext cx="2541" cy="125756"/>
+          </a:xfrm>
+          <a:prstGeom prst="straightConnector1">
+            <a:avLst/>
+          </a:prstGeom>
+          <a:noFill/>
+          <a:ln w="9525">
+            <a:solidFill>
+              <a:srgbClr val="4A7EBB"/>
+            </a:solidFill>
+            <a:round/>
+            <a:headEnd/>
+            <a:tailEnd type="arrow" w="med" len="med"/>
+          </a:ln>
+          <a:extLst>
+            <a:ext uri="{909E8E84-426E-40DD-AFC4-6F175D3DCCD1}">
+              <a14:hiddenFill xmlns:a14="http://schemas.microsoft.com/office/drawing/2010/main">
+                <a:noFill/>
+              </a14:hiddenFill>
+            </a:ext>
+          </a:extLst>
+        </p:spPr>
+        <p:txBody>
+          <a:bodyPr vert="horz" wrap="square" lIns="91440" tIns="45720" rIns="91440" bIns="45720" numCol="1" anchor="t" anchorCtr="0" compatLnSpc="1">
+            <a:prstTxWarp prst="textNoShape">
+              <a:avLst/>
+            </a:prstTxWarp>
+          </a:bodyPr>
+          <a:lstStyle/>
+          <a:p>
+            <a:endParaRPr lang="zh-CN" altLang="en-US"/>
+          </a:p>
+        </p:txBody>
+      </p:sp>
+      <p:sp>
+        <p:nvSpPr>
+          <p:cNvPr id="48" name="直接箭头连接符 36">
+            <a:extLst>
+              <a:ext uri="{FF2B5EF4-FFF2-40B4-BE49-F238E27FC236}">
+                <a16:creationId xmlns:a16="http://schemas.microsoft.com/office/drawing/2014/main" id="{0B4B311F-5C70-4CDB-BF48-6C909C0E354D}"/>
+              </a:ext>
+            </a:extLst>
+          </p:cNvPr>
+          <p:cNvSpPr>
+            <a:spLocks noChangeShapeType="1"/>
+          </p:cNvSpPr>
+          <p:nvPr/>
+        </p:nvSpPr>
+        <p:spPr bwMode="auto">
+          <a:xfrm>
+            <a:off x="6423925" y="2811636"/>
+            <a:ext cx="2541" cy="125756"/>
+          </a:xfrm>
+          <a:prstGeom prst="straightConnector1">
+            <a:avLst/>
+          </a:prstGeom>
+          <a:noFill/>
+          <a:ln w="9525">
+            <a:solidFill>
+              <a:srgbClr val="4A7EBB"/>
+            </a:solidFill>
+            <a:round/>
+            <a:headEnd/>
+            <a:tailEnd type="arrow" w="med" len="med"/>
+          </a:ln>
+          <a:extLst>
+            <a:ext uri="{909E8E84-426E-40DD-AFC4-6F175D3DCCD1}">
+              <a14:hiddenFill xmlns:a14="http://schemas.microsoft.com/office/drawing/2010/main">
+                <a:noFill/>
+              </a14:hiddenFill>
+            </a:ext>
+          </a:extLst>
+        </p:spPr>
+        <p:txBody>
+          <a:bodyPr vert="horz" wrap="square" lIns="91440" tIns="45720" rIns="91440" bIns="45720" numCol="1" anchor="t" anchorCtr="0" compatLnSpc="1">
+            <a:prstTxWarp prst="textNoShape">
+              <a:avLst/>
+            </a:prstTxWarp>
+          </a:bodyPr>
+          <a:lstStyle/>
+          <a:p>
+            <a:endParaRPr lang="zh-CN" altLang="en-US"/>
+          </a:p>
+        </p:txBody>
+      </p:sp>
+      <p:sp>
+        <p:nvSpPr>
+          <p:cNvPr id="49" name="AutoShape 11">
+            <a:extLst>
+              <a:ext uri="{FF2B5EF4-FFF2-40B4-BE49-F238E27FC236}">
+                <a16:creationId xmlns:a16="http://schemas.microsoft.com/office/drawing/2014/main" id="{54E960C8-5672-4955-8C53-57C93ABE2E88}"/>
+              </a:ext>
+            </a:extLst>
+          </p:cNvPr>
+          <p:cNvSpPr>
+            <a:spLocks noChangeArrowheads="1"/>
+          </p:cNvSpPr>
+          <p:nvPr/>
+        </p:nvSpPr>
+        <p:spPr bwMode="auto">
+          <a:xfrm>
+            <a:off x="5817250" y="2936757"/>
+            <a:ext cx="313184" cy="1272170"/>
+          </a:xfrm>
+          <a:prstGeom prst="roundRect">
+            <a:avLst>
+              <a:gd name="adj" fmla="val 16667"/>
+            </a:avLst>
+          </a:prstGeom>
+          <a:noFill/>
+          <a:ln w="25400">
+            <a:solidFill>
+              <a:srgbClr val="385D8A"/>
+            </a:solidFill>
+            <a:round/>
+            <a:headEnd/>
+            <a:tailEnd/>
+          </a:ln>
+          <a:extLst>
+            <a:ext uri="{909E8E84-426E-40DD-AFC4-6F175D3DCCD1}">
+              <a14:hiddenFill xmlns:a14="http://schemas.microsoft.com/office/drawing/2010/main">
+                <a:solidFill>
+                  <a:srgbClr val="FFFFFF"/>
+                </a:solidFill>
+              </a14:hiddenFill>
+            </a:ext>
+          </a:extLst>
+        </p:spPr>
+        <p:txBody>
+          <a:bodyPr vert="horz" wrap="square" lIns="91440" tIns="45720" rIns="91440" bIns="45720" numCol="1" anchor="ctr" anchorCtr="0" compatLnSpc="1">
+            <a:prstTxWarp prst="textNoShape">
+              <a:avLst/>
+            </a:prstTxWarp>
+          </a:bodyPr>
+          <a:lstStyle/>
+          <a:p>
+            <a:pPr marL="0" marR="0" lvl="0" indent="0" algn="ctr" defTabSz="914400" rtl="0" eaLnBrk="0" fontAlgn="base" latinLnBrk="0" hangingPunct="0">
+              <a:lnSpc>
+                <a:spcPct val="100000"/>
+              </a:lnSpc>
+              <a:spcBef>
+                <a:spcPct val="0"/>
+              </a:spcBef>
+              <a:spcAft>
+                <a:spcPct val="0"/>
+              </a:spcAft>
+              <a:buClrTx/>
+              <a:buSzTx/>
+              <a:buFontTx/>
+              <a:buNone/>
+              <a:tabLst/>
+            </a:pPr>
+            <a:r>
+              <a:rPr lang="zh-CN" altLang="en-US" sz="1000" dirty="0">
+                <a:solidFill>
+                  <a:srgbClr val="000000"/>
+                </a:solidFill>
+                <a:latin typeface="Times New Roman" panose="02020603050405020304" pitchFamily="18" charset="0"/>
+                <a:ea typeface="宋体" panose="02010600030101010101" pitchFamily="2" charset="-122"/>
+                <a:cs typeface="Times New Roman" panose="02020603050405020304" pitchFamily="18" charset="0"/>
+              </a:rPr>
+              <a:t>时间轴查找</a:t>
+            </a:r>
+            <a:endParaRPr kumimoji="0" lang="zh-CN" altLang="zh-CN" sz="1800" b="0" i="0" u="none" strike="noStrike" cap="none" normalizeH="0" baseline="0" dirty="0">
+              <a:ln>
+                <a:noFill/>
+              </a:ln>
+              <a:solidFill>
+                <a:schemeClr val="tx1"/>
+              </a:solidFill>
+              <a:effectLst/>
+              <a:latin typeface="Arial" panose="020B0604020202020204" pitchFamily="34" charset="0"/>
+            </a:endParaRPr>
+          </a:p>
+        </p:txBody>
+      </p:sp>
+      <p:sp>
+        <p:nvSpPr>
+          <p:cNvPr id="50" name="圆角矩形 11">
+            <a:extLst>
+              <a:ext uri="{FF2B5EF4-FFF2-40B4-BE49-F238E27FC236}">
+                <a16:creationId xmlns:a16="http://schemas.microsoft.com/office/drawing/2014/main" id="{B45F61E7-4A74-4338-B9F7-EA3FE4E064E7}"/>
+              </a:ext>
+            </a:extLst>
+          </p:cNvPr>
+          <p:cNvSpPr>
+            <a:spLocks noChangeArrowheads="1"/>
+          </p:cNvSpPr>
+          <p:nvPr/>
+        </p:nvSpPr>
+        <p:spPr bwMode="auto">
+          <a:xfrm>
+            <a:off x="6274003" y="2943108"/>
+            <a:ext cx="313184" cy="1272170"/>
+          </a:xfrm>
+          <a:prstGeom prst="roundRect">
+            <a:avLst>
+              <a:gd name="adj" fmla="val 16667"/>
+            </a:avLst>
+          </a:prstGeom>
+          <a:noFill/>
+          <a:ln w="25400">
+            <a:solidFill>
+              <a:srgbClr val="385D8A"/>
+            </a:solidFill>
+            <a:round/>
+            <a:headEnd/>
+            <a:tailEnd/>
+          </a:ln>
+          <a:extLst>
+            <a:ext uri="{909E8E84-426E-40DD-AFC4-6F175D3DCCD1}">
+              <a14:hiddenFill xmlns:a14="http://schemas.microsoft.com/office/drawing/2010/main">
+                <a:solidFill>
+                  <a:srgbClr val="FFFFFF"/>
+                </a:solidFill>
+              </a14:hiddenFill>
+            </a:ext>
+          </a:extLst>
+        </p:spPr>
+        <p:txBody>
+          <a:bodyPr vert="horz" wrap="square" lIns="91440" tIns="45720" rIns="91440" bIns="45720" numCol="1" anchor="ctr" anchorCtr="0" compatLnSpc="1">
+            <a:prstTxWarp prst="textNoShape">
+              <a:avLst/>
+            </a:prstTxWarp>
+          </a:bodyPr>
+          <a:lstStyle/>
+          <a:p>
+            <a:pPr marL="0" marR="0" lvl="0" indent="0" algn="ctr" defTabSz="914400" rtl="0" eaLnBrk="0" fontAlgn="base" latinLnBrk="0" hangingPunct="0">
+              <a:lnSpc>
+                <a:spcPct val="100000"/>
+              </a:lnSpc>
+              <a:spcBef>
+                <a:spcPct val="0"/>
+              </a:spcBef>
+              <a:spcAft>
+                <a:spcPct val="0"/>
+              </a:spcAft>
+              <a:buClrTx/>
+              <a:buSzTx/>
+              <a:buFontTx/>
+              <a:buNone/>
+              <a:tabLst/>
+            </a:pPr>
+            <a:r>
+              <a:rPr lang="zh-CN" altLang="en-US" sz="1000" dirty="0">
+                <a:solidFill>
+                  <a:srgbClr val="000000"/>
+                </a:solidFill>
+                <a:latin typeface="Times New Roman" panose="02020603050405020304" pitchFamily="18" charset="0"/>
+                <a:ea typeface="宋体" panose="02010600030101010101" pitchFamily="2" charset="-122"/>
+                <a:cs typeface="Times New Roman" panose="02020603050405020304" pitchFamily="18" charset="0"/>
+              </a:rPr>
+              <a:t>分类查找</a:t>
+            </a:r>
+            <a:endParaRPr kumimoji="0" lang="zh-CN" altLang="zh-CN" sz="1800" b="0" i="0" u="none" strike="noStrike" cap="none" normalizeH="0" baseline="0" dirty="0">
+              <a:ln>
+                <a:noFill/>
+              </a:ln>
+              <a:solidFill>
+                <a:schemeClr val="tx1"/>
+              </a:solidFill>
+              <a:effectLst/>
+              <a:latin typeface="Arial" panose="020B0604020202020204" pitchFamily="34" charset="0"/>
+            </a:endParaRPr>
+          </a:p>
+        </p:txBody>
+      </p:sp>
+      <p:sp>
+        <p:nvSpPr>
+          <p:cNvPr id="51" name="AutoShape 3">
+            <a:extLst>
+              <a:ext uri="{FF2B5EF4-FFF2-40B4-BE49-F238E27FC236}">
+                <a16:creationId xmlns:a16="http://schemas.microsoft.com/office/drawing/2014/main" id="{0106C41A-80AC-4E9A-91EC-33E9D75C9C1D}"/>
+              </a:ext>
+            </a:extLst>
+          </p:cNvPr>
+          <p:cNvSpPr>
+            <a:spLocks noChangeShapeType="1"/>
+          </p:cNvSpPr>
+          <p:nvPr/>
+        </p:nvSpPr>
+        <p:spPr bwMode="auto">
+          <a:xfrm flipV="1">
+            <a:off x="6191815" y="2662876"/>
+            <a:ext cx="0" cy="144000"/>
+          </a:xfrm>
+          <a:prstGeom prst="straightConnector1">
+            <a:avLst/>
+          </a:prstGeom>
+          <a:noFill/>
+          <a:ln w="9525">
+            <a:solidFill>
+              <a:srgbClr val="4472C4"/>
+            </a:solidFill>
+            <a:round/>
+            <a:headEnd/>
+            <a:tailEnd/>
+          </a:ln>
+          <a:extLst>
+            <a:ext uri="{909E8E84-426E-40DD-AFC4-6F175D3DCCD1}">
+              <a14:hiddenFill xmlns:a14="http://schemas.microsoft.com/office/drawing/2010/main">
+                <a:noFill/>
+              </a14:hiddenFill>
+            </a:ext>
+          </a:extLst>
+        </p:spPr>
+        <p:txBody>
+          <a:bodyPr vert="horz" wrap="square" lIns="91440" tIns="45720" rIns="91440" bIns="45720" numCol="1" anchor="t" anchorCtr="0" compatLnSpc="1">
+            <a:prstTxWarp prst="textNoShape">
+              <a:avLst/>
+            </a:prstTxWarp>
+          </a:bodyPr>
+          <a:lstStyle/>
+          <a:p>
+            <a:endParaRPr lang="zh-CN" altLang="en-US"/>
+          </a:p>
+        </p:txBody>
+      </p:sp>
+    </p:spTree>
+    <p:extLst>
+      <p:ext uri="{BB962C8B-B14F-4D97-AF65-F5344CB8AC3E}">
+        <p14:creationId xmlns:p14="http://schemas.microsoft.com/office/powerpoint/2010/main" val="3106922034"/>
+      </p:ext>
+    </p:extLst>
+  </p:cSld>
+  <p:clrMapOvr>
+    <a:masterClrMapping/>
+  </p:clrMapOvr>
+</p:sld>
+</file>
+
 <file path=ppt/theme/theme1.xml><?xml version="1.0" encoding="utf-8"?>
 <a:theme xmlns:a="http://schemas.openxmlformats.org/drawingml/2006/main" name="Office 主题​​">
   <a:themeElements>
